--- a/presentations/1/paper_presenattion.pptx
+++ b/presentations/1/paper_presenattion.pptx
@@ -6,7 +6,7 @@
     <p:sldMasterId id="2147483684" r:id="rId2"/>
   </p:sldMasterIdLst>
   <p:notesMasterIdLst>
-    <p:notesMasterId r:id="rId13"/>
+    <p:notesMasterId r:id="rId9"/>
   </p:notesMasterIdLst>
   <p:sldIdLst>
     <p:sldId id="256" r:id="rId3"/>
@@ -15,10 +15,6 @@
     <p:sldId id="260" r:id="rId6"/>
     <p:sldId id="261" r:id="rId7"/>
     <p:sldId id="262" r:id="rId8"/>
-    <p:sldId id="263" r:id="rId9"/>
-    <p:sldId id="264" r:id="rId10"/>
-    <p:sldId id="265" r:id="rId11"/>
-    <p:sldId id="266" r:id="rId12"/>
   </p:sldIdLst>
   <p:sldSz cx="12192000" cy="6858000"/>
   <p:notesSz cx="6858000" cy="9144000"/>
@@ -117,6 +113,11 @@
       </a:defRPr>
     </a:lvl9pPr>
   </p:defaultTextStyle>
+  <p:extLst>
+    <p:ext uri="{EFAFB233-063F-42B5-8137-9DF3F51BA10A}">
+      <p15:sldGuideLst xmlns:p15="http://schemas.microsoft.com/office/powerpoint/2012/main"/>
+    </p:ext>
+  </p:extLst>
 </p:presentation>
 </file>
 
@@ -8039,121 +8040,6 @@
 </p:sld>
 </file>
 
-<file path=ppt/slides/slide10.xml><?xml version="1.0" encoding="utf-8"?>
-<p:sld xmlns:a="http://schemas.openxmlformats.org/drawingml/2006/main" xmlns:r="http://schemas.openxmlformats.org/officeDocument/2006/relationships" xmlns:p="http://schemas.openxmlformats.org/presentationml/2006/main">
-  <p:cSld>
-    <p:spTree>
-      <p:nvGrpSpPr>
-        <p:cNvPr id="1" name=""/>
-        <p:cNvGrpSpPr/>
-        <p:nvPr/>
-      </p:nvGrpSpPr>
-      <p:grpSpPr>
-        <a:xfrm>
-          <a:off x="0" y="0"/>
-          <a:ext cx="0" cy="0"/>
-          <a:chOff x="0" y="0"/>
-          <a:chExt cx="0" cy="0"/>
-        </a:xfrm>
-      </p:grpSpPr>
-      <p:sp>
-        <p:nvSpPr>
-          <p:cNvPr id="2" name="Title 1"/>
-          <p:cNvSpPr>
-            <a:spLocks noGrp="1"/>
-          </p:cNvSpPr>
-          <p:nvPr>
-            <p:ph type="title"/>
-          </p:nvPr>
-        </p:nvSpPr>
-        <p:spPr/>
-        <p:txBody>
-          <a:bodyPr/>
-          <a:lstStyle/>
-          <a:p>
-            <a:endParaRPr lang="en-US" dirty="0"/>
-          </a:p>
-        </p:txBody>
-      </p:sp>
-      <p:sp>
-        <p:nvSpPr>
-          <p:cNvPr id="3" name="Content Placeholder 2"/>
-          <p:cNvSpPr>
-            <a:spLocks noGrp="1"/>
-          </p:cNvSpPr>
-          <p:nvPr>
-            <p:ph idx="1"/>
-          </p:nvPr>
-        </p:nvSpPr>
-        <p:spPr/>
-        <p:txBody>
-          <a:bodyPr/>
-          <a:lstStyle/>
-          <a:p>
-            <a:pPr>
-              <a:buFont typeface="Arial" panose="020B0604020202020204" pitchFamily="34" charset="0"/>
-              <a:buChar char="•"/>
-            </a:pPr>
-            <a:r>
-              <a:rPr lang="en-US" dirty="0" smtClean="0">
-                <a:solidFill>
-                  <a:schemeClr val="tx1"/>
-                </a:solidFill>
-              </a:rPr>
-              <a:t> V</a:t>
-            </a:r>
-            <a:endParaRPr lang="en-US" dirty="0">
-              <a:solidFill>
-                <a:schemeClr val="tx1"/>
-              </a:solidFill>
-            </a:endParaRPr>
-          </a:p>
-        </p:txBody>
-      </p:sp>
-      <p:sp>
-        <p:nvSpPr>
-          <p:cNvPr id="4" name="Slide Number Placeholder 3"/>
-          <p:cNvSpPr>
-            <a:spLocks noGrp="1"/>
-          </p:cNvSpPr>
-          <p:nvPr>
-            <p:ph type="sldNum" sz="quarter" idx="12"/>
-          </p:nvPr>
-        </p:nvSpPr>
-        <p:spPr/>
-        <p:txBody>
-          <a:bodyPr/>
-          <a:lstStyle/>
-          <a:p>
-            <a:fld id="{98F35AE6-6F22-4F5F-BFC0-3AFE904FE728}" type="slidenum">
-              <a:rPr lang="en-US" smtClean="0"/>
-              <a:pPr/>
-              <a:t>10</a:t>
-            </a:fld>
-            <a:endParaRPr lang="en-US"/>
-          </a:p>
-        </p:txBody>
-      </p:sp>
-    </p:spTree>
-    <p:extLst>
-      <p:ext uri="{BB962C8B-B14F-4D97-AF65-F5344CB8AC3E}">
-        <p14:creationId xmlns:p14="http://schemas.microsoft.com/office/powerpoint/2010/main" val="4075487252"/>
-      </p:ext>
-    </p:extLst>
-  </p:cSld>
-  <p:clrMapOvr>
-    <a:masterClrMapping/>
-  </p:clrMapOvr>
-  <p:timing>
-    <p:tnLst>
-      <p:par>
-        <p:cTn id="1" dur="indefinite" restart="never" nodeType="tmRoot"/>
-      </p:par>
-    </p:tnLst>
-  </p:timing>
-</p:sld>
-</file>
-
 <file path=ppt/slides/slide2.xml><?xml version="1.0" encoding="utf-8"?>
 <p:sld xmlns:a="http://schemas.openxmlformats.org/drawingml/2006/main" xmlns:r="http://schemas.openxmlformats.org/officeDocument/2006/relationships" xmlns:p="http://schemas.openxmlformats.org/presentationml/2006/main">
   <p:cSld>
@@ -8186,6 +8072,10 @@
           <a:bodyPr/>
           <a:lstStyle/>
           <a:p>
+            <a:r>
+              <a:rPr lang="en-US" dirty="0" smtClean="0"/>
+              <a:t>Dynamic Movement Control</a:t>
+            </a:r>
             <a:endParaRPr lang="en-US" dirty="0"/>
           </a:p>
         </p:txBody>
@@ -8215,7 +8105,151 @@
                   <a:schemeClr val="tx1"/>
                 </a:solidFill>
               </a:rPr>
-              <a:t> V</a:t>
+              <a:t> </a:t>
+            </a:r>
+            <a:r>
+              <a:rPr lang="en-US" dirty="0" smtClean="0">
+                <a:solidFill>
+                  <a:schemeClr val="tx1"/>
+                </a:solidFill>
+              </a:rPr>
+              <a:t>In dynamic systems a movement trajectory will be generated during the movement from a differential equation</a:t>
+            </a:r>
+          </a:p>
+          <a:p>
+            <a:pPr>
+              <a:buFont typeface="Arial" panose="020B0604020202020204" pitchFamily="34" charset="0"/>
+              <a:buChar char="•"/>
+            </a:pPr>
+            <a:r>
+              <a:rPr lang="en-US" dirty="0">
+                <a:solidFill>
+                  <a:schemeClr val="tx1"/>
+                </a:solidFill>
+              </a:rPr>
+              <a:t> The dynamical system represents a whole </a:t>
+            </a:r>
+            <a:r>
+              <a:rPr lang="en-US" dirty="0" smtClean="0">
+                <a:solidFill>
+                  <a:schemeClr val="tx1"/>
+                </a:solidFill>
+              </a:rPr>
+              <a:t>flow field </a:t>
+            </a:r>
+            <a:r>
+              <a:rPr lang="en-US" dirty="0">
+                <a:solidFill>
+                  <a:schemeClr val="tx1"/>
+                </a:solidFill>
+              </a:rPr>
+              <a:t>instead of a single-trajectory, like splines do</a:t>
+            </a:r>
+          </a:p>
+          <a:p>
+            <a:pPr>
+              <a:buFont typeface="Arial" panose="020B0604020202020204" pitchFamily="34" charset="0"/>
+              <a:buChar char="•"/>
+            </a:pPr>
+            <a:r>
+              <a:rPr lang="en-US" dirty="0">
+                <a:solidFill>
+                  <a:schemeClr val="tx1"/>
+                </a:solidFill>
+              </a:rPr>
+              <a:t> In dynamical systems a few control commands need to be specified, and </a:t>
+            </a:r>
+            <a:r>
+              <a:rPr lang="en-US" dirty="0" smtClean="0">
+                <a:solidFill>
+                  <a:schemeClr val="tx1"/>
+                </a:solidFill>
+              </a:rPr>
+              <a:t>the differential </a:t>
+            </a:r>
+            <a:r>
+              <a:rPr lang="en-US" dirty="0">
+                <a:solidFill>
+                  <a:schemeClr val="tx1"/>
+                </a:solidFill>
+              </a:rPr>
+              <a:t>equation generates the corresponding </a:t>
+            </a:r>
+            <a:r>
+              <a:rPr lang="en-US" dirty="0" smtClean="0">
+                <a:solidFill>
+                  <a:schemeClr val="tx1"/>
+                </a:solidFill>
+              </a:rPr>
+              <a:t>trajectory, reducing </a:t>
+            </a:r>
+            <a:r>
+              <a:rPr lang="en-US" dirty="0">
+                <a:solidFill>
+                  <a:schemeClr val="tx1"/>
+                </a:solidFill>
+              </a:rPr>
+              <a:t>the control </a:t>
+            </a:r>
+            <a:r>
+              <a:rPr lang="en-US" dirty="0" smtClean="0">
+                <a:solidFill>
+                  <a:schemeClr val="tx1"/>
+                </a:solidFill>
+              </a:rPr>
+              <a:t>load</a:t>
+            </a:r>
+          </a:p>
+          <a:p>
+            <a:pPr>
+              <a:buFont typeface="Arial" panose="020B0604020202020204" pitchFamily="34" charset="0"/>
+              <a:buChar char="•"/>
+            </a:pPr>
+            <a:r>
+              <a:rPr lang="en-US" dirty="0" smtClean="0">
+                <a:solidFill>
+                  <a:schemeClr val="tx1"/>
+                </a:solidFill>
+              </a:rPr>
+              <a:t> The main disadvantage of this system is it can be unnatural and poses technical difficulties for new movement targets</a:t>
+            </a:r>
+          </a:p>
+          <a:p>
+            <a:pPr>
+              <a:buFont typeface="Arial" panose="020B0604020202020204" pitchFamily="34" charset="0"/>
+              <a:buChar char="•"/>
+            </a:pPr>
+            <a:r>
+              <a:rPr lang="en-US" dirty="0">
+                <a:solidFill>
+                  <a:schemeClr val="tx1"/>
+                </a:solidFill>
+              </a:rPr>
+              <a:t> This paper proposes a </a:t>
+            </a:r>
+            <a:r>
+              <a:rPr lang="en-US" dirty="0" smtClean="0">
+                <a:solidFill>
+                  <a:schemeClr val="tx1"/>
+                </a:solidFill>
+              </a:rPr>
+              <a:t>new formulation that </a:t>
+            </a:r>
+            <a:r>
+              <a:rPr lang="en-US" dirty="0">
+                <a:solidFill>
+                  <a:schemeClr val="tx1"/>
+                </a:solidFill>
+              </a:rPr>
+              <a:t>overcomes </a:t>
+            </a:r>
+            <a:r>
+              <a:rPr lang="en-US" dirty="0" smtClean="0">
+                <a:solidFill>
+                  <a:schemeClr val="tx1"/>
+                </a:solidFill>
+              </a:rPr>
+              <a:t>this problem</a:t>
             </a:r>
             <a:endParaRPr lang="en-US" dirty="0">
               <a:solidFill>
@@ -8301,45 +8335,1100 @@
           <a:bodyPr/>
           <a:lstStyle/>
           <a:p>
+            <a:r>
+              <a:rPr lang="en-US" dirty="0" smtClean="0"/>
+              <a:t>DMS(Dynamic Movement Primitives)</a:t>
+            </a:r>
             <a:endParaRPr lang="en-US" dirty="0"/>
           </a:p>
         </p:txBody>
       </p:sp>
-      <p:sp>
-        <p:nvSpPr>
-          <p:cNvPr id="3" name="Content Placeholder 2"/>
-          <p:cNvSpPr>
-            <a:spLocks noGrp="1"/>
-          </p:cNvSpPr>
-          <p:nvPr>
-            <p:ph idx="1"/>
-          </p:nvPr>
-        </p:nvSpPr>
-        <p:spPr/>
-        <p:txBody>
-          <a:bodyPr/>
-          <a:lstStyle/>
-          <a:p>
-            <a:pPr>
-              <a:buFont typeface="Arial" panose="020B0604020202020204" pitchFamily="34" charset="0"/>
-              <a:buChar char="•"/>
-            </a:pPr>
-            <a:r>
-              <a:rPr lang="en-US" dirty="0" smtClean="0">
-                <a:solidFill>
-                  <a:schemeClr val="tx1"/>
-                </a:solidFill>
-              </a:rPr>
-              <a:t> V</a:t>
-            </a:r>
-            <a:endParaRPr lang="en-US" dirty="0">
-              <a:solidFill>
-                <a:schemeClr val="tx1"/>
-              </a:solidFill>
-            </a:endParaRPr>
-          </a:p>
-        </p:txBody>
-      </p:sp>
+      <mc:AlternateContent xmlns:mc="http://schemas.openxmlformats.org/markup-compatibility/2006">
+        <mc:Choice xmlns:a14="http://schemas.microsoft.com/office/drawing/2010/main" Requires="a14">
+          <p:sp>
+            <p:nvSpPr>
+              <p:cNvPr id="3" name="Content Placeholder 2"/>
+              <p:cNvSpPr>
+                <a:spLocks noGrp="1"/>
+              </p:cNvSpPr>
+              <p:nvPr>
+                <p:ph idx="1"/>
+              </p:nvPr>
+            </p:nvSpPr>
+            <p:spPr>
+              <a:xfrm>
+                <a:off x="1097280" y="1845734"/>
+                <a:ext cx="10058400" cy="4372186"/>
+              </a:xfrm>
+            </p:spPr>
+            <p:txBody>
+              <a:bodyPr numCol="1">
+                <a:normAutofit/>
+              </a:bodyPr>
+              <a:lstStyle/>
+              <a:p>
+                <a:pPr>
+                  <a:buFont typeface="Arial" panose="020B0604020202020204" pitchFamily="34" charset="0"/>
+                  <a:buChar char="•"/>
+                </a:pPr>
+                <a:r>
+                  <a:rPr lang="en-US" dirty="0" smtClean="0">
+                    <a:solidFill>
+                      <a:schemeClr val="tx1"/>
+                    </a:solidFill>
+                  </a:rPr>
+                  <a:t> </a:t>
+                </a:r>
+                <a:r>
+                  <a:rPr lang="en-US" dirty="0">
+                    <a:solidFill>
+                      <a:schemeClr val="tx1"/>
+                    </a:solidFill>
+                  </a:rPr>
+                  <a:t>One-dimensional </a:t>
+                </a:r>
+                <a:r>
+                  <a:rPr lang="en-US" dirty="0" smtClean="0">
+                    <a:solidFill>
+                      <a:schemeClr val="tx1"/>
+                    </a:solidFill>
+                  </a:rPr>
+                  <a:t>system:</a:t>
+                </a:r>
+              </a:p>
+              <a:p>
+                <a:pPr marL="0" indent="0">
+                  <a:buNone/>
+                </a:pPr>
+                <a14:m>
+                  <m:oMathPara xmlns:m="http://schemas.openxmlformats.org/officeDocument/2006/math">
+                    <m:oMathParaPr>
+                      <m:jc m:val="centerGroup"/>
+                    </m:oMathParaPr>
+                    <m:oMath xmlns:m="http://schemas.openxmlformats.org/officeDocument/2006/math">
+                      <m:r>
+                        <a:rPr lang="en-US" b="0" i="1" smtClean="0">
+                          <a:solidFill>
+                            <a:schemeClr val="tx1"/>
+                          </a:solidFill>
+                          <a:latin typeface="Cambria Math" panose="02040503050406030204" pitchFamily="18" charset="0"/>
+                          <a:ea typeface="Cambria Math" panose="02040503050406030204" pitchFamily="18" charset="0"/>
+                        </a:rPr>
+                        <m:t>𝜏</m:t>
+                      </m:r>
+                      <m:sSup>
+                        <m:sSupPr>
+                          <m:ctrlPr>
+                            <a:rPr lang="en-US" b="0" i="1" smtClean="0">
+                              <a:solidFill>
+                                <a:schemeClr val="tx1"/>
+                              </a:solidFill>
+                              <a:latin typeface="Cambria Math" panose="02040503050406030204" pitchFamily="18" charset="0"/>
+                              <a:ea typeface="Cambria Math" panose="02040503050406030204" pitchFamily="18" charset="0"/>
+                            </a:rPr>
+                          </m:ctrlPr>
+                        </m:sSupPr>
+                        <m:e>
+                          <m:r>
+                            <a:rPr lang="en-US" b="0" i="1" smtClean="0">
+                              <a:solidFill>
+                                <a:schemeClr val="tx1"/>
+                              </a:solidFill>
+                              <a:latin typeface="Cambria Math" panose="02040503050406030204" pitchFamily="18" charset="0"/>
+                              <a:ea typeface="Cambria Math" panose="02040503050406030204" pitchFamily="18" charset="0"/>
+                            </a:rPr>
+                            <m:t>𝑣</m:t>
+                          </m:r>
+                        </m:e>
+                        <m:sup>
+                          <m:r>
+                            <a:rPr lang="en-US" b="0" i="1" smtClean="0">
+                              <a:solidFill>
+                                <a:schemeClr val="tx1"/>
+                              </a:solidFill>
+                              <a:latin typeface="Cambria Math" panose="02040503050406030204" pitchFamily="18" charset="0"/>
+                              <a:ea typeface="Cambria Math" panose="02040503050406030204" pitchFamily="18" charset="0"/>
+                            </a:rPr>
+                            <m:t>′</m:t>
+                          </m:r>
+                        </m:sup>
+                      </m:sSup>
+                      <m:r>
+                        <a:rPr lang="en-US" b="0" i="1" smtClean="0">
+                          <a:solidFill>
+                            <a:schemeClr val="tx1"/>
+                          </a:solidFill>
+                          <a:latin typeface="Cambria Math" panose="02040503050406030204" pitchFamily="18" charset="0"/>
+                          <a:ea typeface="Cambria Math" panose="02040503050406030204" pitchFamily="18" charset="0"/>
+                        </a:rPr>
+                        <m:t>=</m:t>
+                      </m:r>
+                      <m:r>
+                        <a:rPr lang="en-US" b="0" i="1" smtClean="0">
+                          <a:solidFill>
+                            <a:schemeClr val="tx1"/>
+                          </a:solidFill>
+                          <a:latin typeface="Cambria Math" panose="02040503050406030204" pitchFamily="18" charset="0"/>
+                          <a:ea typeface="Cambria Math" panose="02040503050406030204" pitchFamily="18" charset="0"/>
+                        </a:rPr>
+                        <m:t>𝐾</m:t>
+                      </m:r>
+                      <m:d>
+                        <m:dPr>
+                          <m:ctrlPr>
+                            <a:rPr lang="en-US" b="0" i="1" smtClean="0">
+                              <a:solidFill>
+                                <a:schemeClr val="tx1"/>
+                              </a:solidFill>
+                              <a:latin typeface="Cambria Math" panose="02040503050406030204" pitchFamily="18" charset="0"/>
+                              <a:ea typeface="Cambria Math" panose="02040503050406030204" pitchFamily="18" charset="0"/>
+                            </a:rPr>
+                          </m:ctrlPr>
+                        </m:dPr>
+                        <m:e>
+                          <m:r>
+                            <a:rPr lang="en-US" b="0" i="1" smtClean="0">
+                              <a:solidFill>
+                                <a:schemeClr val="tx1"/>
+                              </a:solidFill>
+                              <a:latin typeface="Cambria Math" panose="02040503050406030204" pitchFamily="18" charset="0"/>
+                              <a:ea typeface="Cambria Math" panose="02040503050406030204" pitchFamily="18" charset="0"/>
+                            </a:rPr>
+                            <m:t>𝑔</m:t>
+                          </m:r>
+                          <m:r>
+                            <a:rPr lang="en-US" b="0" i="1" smtClean="0">
+                              <a:solidFill>
+                                <a:schemeClr val="tx1"/>
+                              </a:solidFill>
+                              <a:latin typeface="Cambria Math" panose="02040503050406030204" pitchFamily="18" charset="0"/>
+                              <a:ea typeface="Cambria Math" panose="02040503050406030204" pitchFamily="18" charset="0"/>
+                            </a:rPr>
+                            <m:t>−</m:t>
+                          </m:r>
+                          <m:r>
+                            <a:rPr lang="en-US" b="0" i="1" smtClean="0">
+                              <a:solidFill>
+                                <a:schemeClr val="tx1"/>
+                              </a:solidFill>
+                              <a:latin typeface="Cambria Math" panose="02040503050406030204" pitchFamily="18" charset="0"/>
+                              <a:ea typeface="Cambria Math" panose="02040503050406030204" pitchFamily="18" charset="0"/>
+                            </a:rPr>
+                            <m:t>𝑥</m:t>
+                          </m:r>
+                        </m:e>
+                      </m:d>
+                      <m:r>
+                        <a:rPr lang="en-US" b="0" i="1" smtClean="0">
+                          <a:solidFill>
+                            <a:schemeClr val="tx1"/>
+                          </a:solidFill>
+                          <a:latin typeface="Cambria Math" panose="02040503050406030204" pitchFamily="18" charset="0"/>
+                          <a:ea typeface="Cambria Math" panose="02040503050406030204" pitchFamily="18" charset="0"/>
+                        </a:rPr>
+                        <m:t>−</m:t>
+                      </m:r>
+                      <m:r>
+                        <a:rPr lang="en-US" b="0" i="1" smtClean="0">
+                          <a:solidFill>
+                            <a:schemeClr val="tx1"/>
+                          </a:solidFill>
+                          <a:latin typeface="Cambria Math" panose="02040503050406030204" pitchFamily="18" charset="0"/>
+                          <a:ea typeface="Cambria Math" panose="02040503050406030204" pitchFamily="18" charset="0"/>
+                        </a:rPr>
+                        <m:t>𝐷𝑣</m:t>
+                      </m:r>
+                      <m:r>
+                        <a:rPr lang="en-US" b="0" i="1" smtClean="0">
+                          <a:solidFill>
+                            <a:schemeClr val="tx1"/>
+                          </a:solidFill>
+                          <a:latin typeface="Cambria Math" panose="02040503050406030204" pitchFamily="18" charset="0"/>
+                          <a:ea typeface="Cambria Math" panose="02040503050406030204" pitchFamily="18" charset="0"/>
+                        </a:rPr>
+                        <m:t>+</m:t>
+                      </m:r>
+                      <m:d>
+                        <m:dPr>
+                          <m:ctrlPr>
+                            <a:rPr lang="en-US" b="0" i="1" smtClean="0">
+                              <a:solidFill>
+                                <a:schemeClr val="tx1"/>
+                              </a:solidFill>
+                              <a:latin typeface="Cambria Math" panose="02040503050406030204" pitchFamily="18" charset="0"/>
+                              <a:ea typeface="Cambria Math" panose="02040503050406030204" pitchFamily="18" charset="0"/>
+                            </a:rPr>
+                          </m:ctrlPr>
+                        </m:dPr>
+                        <m:e>
+                          <m:r>
+                            <a:rPr lang="en-US" b="0" i="1" smtClean="0">
+                              <a:solidFill>
+                                <a:schemeClr val="tx1"/>
+                              </a:solidFill>
+                              <a:latin typeface="Cambria Math" panose="02040503050406030204" pitchFamily="18" charset="0"/>
+                              <a:ea typeface="Cambria Math" panose="02040503050406030204" pitchFamily="18" charset="0"/>
+                            </a:rPr>
+                            <m:t>𝑔</m:t>
+                          </m:r>
+                          <m:r>
+                            <a:rPr lang="en-US" b="0" i="1" smtClean="0">
+                              <a:solidFill>
+                                <a:schemeClr val="tx1"/>
+                              </a:solidFill>
+                              <a:latin typeface="Cambria Math" panose="02040503050406030204" pitchFamily="18" charset="0"/>
+                              <a:ea typeface="Cambria Math" panose="02040503050406030204" pitchFamily="18" charset="0"/>
+                            </a:rPr>
+                            <m:t>−</m:t>
+                          </m:r>
+                          <m:sSub>
+                            <m:sSubPr>
+                              <m:ctrlPr>
+                                <a:rPr lang="en-US" b="0" i="1" smtClean="0">
+                                  <a:solidFill>
+                                    <a:schemeClr val="tx1"/>
+                                  </a:solidFill>
+                                  <a:latin typeface="Cambria Math" panose="02040503050406030204" pitchFamily="18" charset="0"/>
+                                  <a:ea typeface="Cambria Math" panose="02040503050406030204" pitchFamily="18" charset="0"/>
+                                </a:rPr>
+                              </m:ctrlPr>
+                            </m:sSubPr>
+                            <m:e>
+                              <m:r>
+                                <a:rPr lang="en-US" b="0" i="1" smtClean="0">
+                                  <a:solidFill>
+                                    <a:schemeClr val="tx1"/>
+                                  </a:solidFill>
+                                  <a:latin typeface="Cambria Math" panose="02040503050406030204" pitchFamily="18" charset="0"/>
+                                  <a:ea typeface="Cambria Math" panose="02040503050406030204" pitchFamily="18" charset="0"/>
+                                </a:rPr>
+                                <m:t>𝑥</m:t>
+                              </m:r>
+                            </m:e>
+                            <m:sub>
+                              <m:r>
+                                <a:rPr lang="en-US" b="0" i="1" smtClean="0">
+                                  <a:solidFill>
+                                    <a:schemeClr val="tx1"/>
+                                  </a:solidFill>
+                                  <a:latin typeface="Cambria Math" panose="02040503050406030204" pitchFamily="18" charset="0"/>
+                                  <a:ea typeface="Cambria Math" panose="02040503050406030204" pitchFamily="18" charset="0"/>
+                                </a:rPr>
+                                <m:t>0</m:t>
+                              </m:r>
+                            </m:sub>
+                          </m:sSub>
+                        </m:e>
+                      </m:d>
+                      <m:r>
+                        <a:rPr lang="en-US" b="0" i="1" smtClean="0">
+                          <a:solidFill>
+                            <a:schemeClr val="tx1"/>
+                          </a:solidFill>
+                          <a:latin typeface="Cambria Math" panose="02040503050406030204" pitchFamily="18" charset="0"/>
+                          <a:ea typeface="Cambria Math" panose="02040503050406030204" pitchFamily="18" charset="0"/>
+                        </a:rPr>
+                        <m:t>𝑓</m:t>
+                      </m:r>
+                      <m:d>
+                        <m:dPr>
+                          <m:ctrlPr>
+                            <a:rPr lang="en-US" b="0" i="1" smtClean="0">
+                              <a:solidFill>
+                                <a:schemeClr val="tx1"/>
+                              </a:solidFill>
+                              <a:latin typeface="Cambria Math" panose="02040503050406030204" pitchFamily="18" charset="0"/>
+                              <a:ea typeface="Cambria Math" panose="02040503050406030204" pitchFamily="18" charset="0"/>
+                            </a:rPr>
+                          </m:ctrlPr>
+                        </m:dPr>
+                        <m:e>
+                          <m:r>
+                            <a:rPr lang="en-US" b="0" i="1" smtClean="0">
+                              <a:solidFill>
+                                <a:schemeClr val="tx1"/>
+                              </a:solidFill>
+                              <a:latin typeface="Cambria Math" panose="02040503050406030204" pitchFamily="18" charset="0"/>
+                              <a:ea typeface="Cambria Math" panose="02040503050406030204" pitchFamily="18" charset="0"/>
+                            </a:rPr>
+                            <m:t>𝑠</m:t>
+                          </m:r>
+                        </m:e>
+                      </m:d>
+                      <m:r>
+                        <a:rPr lang="en-US" b="0" i="1" smtClean="0">
+                          <a:solidFill>
+                            <a:schemeClr val="tx1"/>
+                          </a:solidFill>
+                          <a:latin typeface="Cambria Math" panose="02040503050406030204" pitchFamily="18" charset="0"/>
+                          <a:ea typeface="Cambria Math" panose="02040503050406030204" pitchFamily="18" charset="0"/>
+                        </a:rPr>
+                        <m:t>      </m:t>
+                      </m:r>
+                      <m:d>
+                        <m:dPr>
+                          <m:ctrlPr>
+                            <a:rPr lang="en-US" b="0" i="1" smtClean="0">
+                              <a:solidFill>
+                                <a:schemeClr val="tx1"/>
+                              </a:solidFill>
+                              <a:latin typeface="Cambria Math" panose="02040503050406030204" pitchFamily="18" charset="0"/>
+                              <a:ea typeface="Cambria Math" panose="02040503050406030204" pitchFamily="18" charset="0"/>
+                            </a:rPr>
+                          </m:ctrlPr>
+                        </m:dPr>
+                        <m:e>
+                          <m:r>
+                            <a:rPr lang="en-US" b="0" i="1" smtClean="0">
+                              <a:solidFill>
+                                <a:schemeClr val="tx1"/>
+                              </a:solidFill>
+                              <a:latin typeface="Cambria Math" panose="02040503050406030204" pitchFamily="18" charset="0"/>
+                              <a:ea typeface="Cambria Math" panose="02040503050406030204" pitchFamily="18" charset="0"/>
+                            </a:rPr>
+                            <m:t>1</m:t>
+                          </m:r>
+                        </m:e>
+                      </m:d>
+                    </m:oMath>
+                  </m:oMathPara>
+                </a14:m>
+                <a:endParaRPr lang="en-US" b="0" dirty="0" smtClean="0">
+                  <a:solidFill>
+                    <a:schemeClr val="tx1"/>
+                  </a:solidFill>
+                  <a:ea typeface="Cambria Math" panose="02040503050406030204" pitchFamily="18" charset="0"/>
+                </a:endParaRPr>
+              </a:p>
+              <a:p>
+                <a:pPr marL="0" indent="0">
+                  <a:buNone/>
+                </a:pPr>
+                <a14:m>
+                  <m:oMathPara xmlns:m="http://schemas.openxmlformats.org/officeDocument/2006/math">
+                    <m:oMathParaPr>
+                      <m:jc m:val="centerGroup"/>
+                    </m:oMathParaPr>
+                    <m:oMath xmlns:m="http://schemas.openxmlformats.org/officeDocument/2006/math">
+                      <m:r>
+                        <a:rPr lang="en-US" b="0" i="1" smtClean="0">
+                          <a:solidFill>
+                            <a:schemeClr val="tx1"/>
+                          </a:solidFill>
+                          <a:latin typeface="Cambria Math" panose="02040503050406030204" pitchFamily="18" charset="0"/>
+                        </a:rPr>
+                        <m:t>.               </m:t>
+                      </m:r>
+                      <m:r>
+                        <a:rPr lang="en-US" b="0" i="1" smtClean="0">
+                          <a:solidFill>
+                            <a:schemeClr val="tx1"/>
+                          </a:solidFill>
+                          <a:latin typeface="Cambria Math" panose="02040503050406030204" pitchFamily="18" charset="0"/>
+                        </a:rPr>
+                        <m:t>𝜏</m:t>
+                      </m:r>
+                      <m:sSup>
+                        <m:sSupPr>
+                          <m:ctrlPr>
+                            <a:rPr lang="en-US" b="0" i="1" smtClean="0">
+                              <a:solidFill>
+                                <a:schemeClr val="tx1"/>
+                              </a:solidFill>
+                              <a:latin typeface="Cambria Math" panose="02040503050406030204" pitchFamily="18" charset="0"/>
+                            </a:rPr>
+                          </m:ctrlPr>
+                        </m:sSupPr>
+                        <m:e>
+                          <m:r>
+                            <a:rPr lang="en-US" b="0" i="1" smtClean="0">
+                              <a:solidFill>
+                                <a:schemeClr val="tx1"/>
+                              </a:solidFill>
+                              <a:latin typeface="Cambria Math" panose="02040503050406030204" pitchFamily="18" charset="0"/>
+                            </a:rPr>
+                            <m:t>𝑥</m:t>
+                          </m:r>
+                        </m:e>
+                        <m:sup>
+                          <m:r>
+                            <a:rPr lang="en-US" b="0" i="1" smtClean="0">
+                              <a:solidFill>
+                                <a:schemeClr val="tx1"/>
+                              </a:solidFill>
+                              <a:latin typeface="Cambria Math" panose="02040503050406030204" pitchFamily="18" charset="0"/>
+                            </a:rPr>
+                            <m:t>′</m:t>
+                          </m:r>
+                        </m:sup>
+                      </m:sSup>
+                      <m:r>
+                        <a:rPr lang="en-US" b="0" i="1" smtClean="0">
+                          <a:solidFill>
+                            <a:schemeClr val="tx1"/>
+                          </a:solidFill>
+                          <a:latin typeface="Cambria Math" panose="02040503050406030204" pitchFamily="18" charset="0"/>
+                        </a:rPr>
+                        <m:t>=</m:t>
+                      </m:r>
+                      <m:r>
+                        <a:rPr lang="en-US" b="0" i="1" smtClean="0">
+                          <a:solidFill>
+                            <a:schemeClr val="tx1"/>
+                          </a:solidFill>
+                          <a:latin typeface="Cambria Math" panose="02040503050406030204" pitchFamily="18" charset="0"/>
+                        </a:rPr>
+                        <m:t>𝑣</m:t>
+                      </m:r>
+                      <m:r>
+                        <a:rPr lang="en-US" b="0" i="1" smtClean="0">
+                          <a:solidFill>
+                            <a:schemeClr val="tx1"/>
+                          </a:solidFill>
+                          <a:latin typeface="Cambria Math" panose="02040503050406030204" pitchFamily="18" charset="0"/>
+                        </a:rPr>
+                        <m:t>          (2)</m:t>
+                      </m:r>
+                    </m:oMath>
+                  </m:oMathPara>
+                </a14:m>
+                <a:endParaRPr lang="en-US" dirty="0" smtClean="0">
+                  <a:solidFill>
+                    <a:schemeClr val="tx1"/>
+                  </a:solidFill>
+                </a:endParaRPr>
+              </a:p>
+              <a:p>
+                <a:pPr>
+                  <a:buFont typeface="Arial" panose="020B0604020202020204" pitchFamily="34" charset="0"/>
+                  <a:buChar char="•"/>
+                </a:pPr>
+                <a:r>
+                  <a:rPr lang="en-US" dirty="0">
+                    <a:solidFill>
+                      <a:schemeClr val="tx1"/>
+                    </a:solidFill>
+                  </a:rPr>
+                  <a:t> </a:t>
+                </a:r>
+                <a:r>
+                  <a:rPr lang="en-US" dirty="0" smtClean="0">
+                    <a:solidFill>
+                      <a:schemeClr val="tx1"/>
+                    </a:solidFill>
+                  </a:rPr>
+                  <a:t>Where:</a:t>
+                </a:r>
+              </a:p>
+              <a:p>
+                <a:pPr lvl="1">
+                  <a:buFont typeface="Wingdings" panose="05000000000000000000" pitchFamily="2" charset="2"/>
+                  <a:buChar char="Ø"/>
+                </a:pPr>
+                <a:r>
+                  <a:rPr lang="en-US" dirty="0">
+                    <a:solidFill>
+                      <a:schemeClr val="tx1"/>
+                    </a:solidFill>
+                  </a:rPr>
+                  <a:t> </a:t>
+                </a:r>
+                <a:r>
+                  <a:rPr lang="en-US" dirty="0" smtClean="0">
+                    <a:solidFill>
+                      <a:schemeClr val="tx1"/>
+                    </a:solidFill>
+                  </a:rPr>
+                  <a:t>x</a:t>
+                </a:r>
+                <a:r>
+                  <a:rPr lang="en-US" baseline="-25000" dirty="0" smtClean="0">
+                    <a:solidFill>
+                      <a:schemeClr val="tx1"/>
+                    </a:solidFill>
+                  </a:rPr>
+                  <a:t>0</a:t>
+                </a:r>
+                <a:r>
+                  <a:rPr lang="en-US" dirty="0" smtClean="0">
+                    <a:solidFill>
+                      <a:schemeClr val="tx1"/>
+                    </a:solidFill>
+                  </a:rPr>
+                  <a:t>: Start point of movement</a:t>
+                </a:r>
+              </a:p>
+              <a:p>
+                <a:pPr lvl="1">
+                  <a:buFont typeface="Wingdings" panose="05000000000000000000" pitchFamily="2" charset="2"/>
+                  <a:buChar char="Ø"/>
+                </a:pPr>
+                <a:r>
+                  <a:rPr lang="en-US" dirty="0" smtClean="0">
+                    <a:solidFill>
+                      <a:schemeClr val="tx1"/>
+                    </a:solidFill>
+                  </a:rPr>
+                  <a:t> g: Goal point</a:t>
+                </a:r>
+              </a:p>
+              <a:p>
+                <a:pPr lvl="1">
+                  <a:buFont typeface="Wingdings" panose="05000000000000000000" pitchFamily="2" charset="2"/>
+                  <a:buChar char="Ø"/>
+                </a:pPr>
+                <a:r>
+                  <a:rPr lang="en-US" dirty="0" smtClean="0">
+                    <a:solidFill>
+                      <a:schemeClr val="tx1"/>
+                    </a:solidFill>
+                  </a:rPr>
+                  <a:t> K: The spring constant</a:t>
+                </a:r>
+              </a:p>
+              <a:p>
+                <a:pPr lvl="1">
+                  <a:buFont typeface="Wingdings" panose="05000000000000000000" pitchFamily="2" charset="2"/>
+                  <a:buChar char="Ø"/>
+                </a:pPr>
+                <a:r>
+                  <a:rPr lang="en-US" dirty="0" smtClean="0">
+                    <a:solidFill>
+                      <a:schemeClr val="tx1"/>
+                    </a:solidFill>
+                  </a:rPr>
+                  <a:t> D: A damping constant</a:t>
+                </a:r>
+                <a:endParaRPr lang="en-US" dirty="0">
+                  <a:solidFill>
+                    <a:schemeClr val="tx1"/>
+                  </a:solidFill>
+                </a:endParaRPr>
+              </a:p>
+              <a:p>
+                <a:pPr lvl="1">
+                  <a:buFont typeface="Wingdings" panose="05000000000000000000" pitchFamily="2" charset="2"/>
+                  <a:buChar char="Ø"/>
+                </a:pPr>
+                <a:r>
+                  <a:rPr lang="en-US" dirty="0">
+                    <a:solidFill>
+                      <a:schemeClr val="tx1"/>
+                    </a:solidFill>
+                  </a:rPr>
+                  <a:t> </a:t>
+                </a:r>
+                <a:r>
+                  <a:rPr lang="el-GR" dirty="0" smtClean="0">
+                    <a:solidFill>
+                      <a:schemeClr val="tx1"/>
+                    </a:solidFill>
+                  </a:rPr>
+                  <a:t>τ</a:t>
+                </a:r>
+                <a:r>
+                  <a:rPr lang="en-US" dirty="0" smtClean="0">
+                    <a:solidFill>
+                      <a:schemeClr val="tx1"/>
+                    </a:solidFill>
+                  </a:rPr>
+                  <a:t>: A constant scaling factor of the movement duration</a:t>
+                </a:r>
+              </a:p>
+              <a:p>
+                <a:pPr lvl="1">
+                  <a:buFont typeface="Wingdings" panose="05000000000000000000" pitchFamily="2" charset="2"/>
+                  <a:buChar char="Ø"/>
+                </a:pPr>
+                <a:r>
+                  <a:rPr lang="en-US" dirty="0" smtClean="0">
+                    <a:solidFill>
+                      <a:schemeClr val="tx1"/>
+                    </a:solidFill>
+                  </a:rPr>
+                  <a:t> f: a </a:t>
+                </a:r>
+                <a:r>
+                  <a:rPr lang="en-US" dirty="0" err="1" smtClean="0">
+                    <a:solidFill>
+                      <a:schemeClr val="tx1"/>
+                    </a:solidFill>
+                  </a:rPr>
+                  <a:t>parametrized</a:t>
+                </a:r>
+                <a:r>
+                  <a:rPr lang="en-US" dirty="0" smtClean="0">
+                    <a:solidFill>
+                      <a:schemeClr val="tx1"/>
+                    </a:solidFill>
+                  </a:rPr>
+                  <a:t> non-linear function which defines as: </a:t>
+                </a:r>
+                <a14:m>
+                  <m:oMath xmlns:m="http://schemas.openxmlformats.org/officeDocument/2006/math">
+                    <m:r>
+                      <a:rPr lang="en-US" b="0" i="1" smtClean="0">
+                        <a:solidFill>
+                          <a:schemeClr val="tx1"/>
+                        </a:solidFill>
+                        <a:latin typeface="Cambria Math" panose="02040503050406030204" pitchFamily="18" charset="0"/>
+                      </a:rPr>
+                      <m:t>𝑓</m:t>
+                    </m:r>
+                    <m:d>
+                      <m:dPr>
+                        <m:ctrlPr>
+                          <a:rPr lang="en-US" b="0" i="1" smtClean="0">
+                            <a:solidFill>
+                              <a:schemeClr val="tx1"/>
+                            </a:solidFill>
+                            <a:latin typeface="Cambria Math" panose="02040503050406030204" pitchFamily="18" charset="0"/>
+                          </a:rPr>
+                        </m:ctrlPr>
+                      </m:dPr>
+                      <m:e>
+                        <m:r>
+                          <a:rPr lang="en-US" b="0" i="1" smtClean="0">
+                            <a:solidFill>
+                              <a:schemeClr val="tx1"/>
+                            </a:solidFill>
+                            <a:latin typeface="Cambria Math" panose="02040503050406030204" pitchFamily="18" charset="0"/>
+                          </a:rPr>
+                          <m:t>𝑠</m:t>
+                        </m:r>
+                      </m:e>
+                    </m:d>
+                    <m:r>
+                      <a:rPr lang="en-US" b="0" i="1" smtClean="0">
+                        <a:solidFill>
+                          <a:schemeClr val="tx1"/>
+                        </a:solidFill>
+                        <a:latin typeface="Cambria Math" panose="02040503050406030204" pitchFamily="18" charset="0"/>
+                      </a:rPr>
+                      <m:t>= </m:t>
+                    </m:r>
+                    <m:f>
+                      <m:fPr>
+                        <m:ctrlPr>
+                          <a:rPr lang="en-US" b="0" i="1" smtClean="0">
+                            <a:solidFill>
+                              <a:schemeClr val="tx1"/>
+                            </a:solidFill>
+                            <a:latin typeface="Cambria Math" panose="02040503050406030204" pitchFamily="18" charset="0"/>
+                          </a:rPr>
+                        </m:ctrlPr>
+                      </m:fPr>
+                      <m:num>
+                        <m:sSub>
+                          <m:sSubPr>
+                            <m:ctrlPr>
+                              <a:rPr lang="en-US" b="0" i="1" smtClean="0">
+                                <a:solidFill>
+                                  <a:schemeClr val="tx1"/>
+                                </a:solidFill>
+                                <a:latin typeface="Cambria Math" panose="02040503050406030204" pitchFamily="18" charset="0"/>
+                              </a:rPr>
+                            </m:ctrlPr>
+                          </m:sSubPr>
+                          <m:e>
+                            <m:r>
+                              <m:rPr>
+                                <m:sty m:val="p"/>
+                              </m:rPr>
+                              <a:rPr lang="en-US" b="0" i="0" smtClean="0">
+                                <a:solidFill>
+                                  <a:schemeClr val="tx1"/>
+                                </a:solidFill>
+                                <a:latin typeface="Cambria Math" panose="02040503050406030204" pitchFamily="18" charset="0"/>
+                              </a:rPr>
+                              <m:t>Σ</m:t>
+                            </m:r>
+                          </m:e>
+                          <m:sub>
+                            <m:r>
+                              <a:rPr lang="en-US" b="0" i="1" smtClean="0">
+                                <a:solidFill>
+                                  <a:schemeClr val="tx1"/>
+                                </a:solidFill>
+                                <a:latin typeface="Cambria Math" panose="02040503050406030204" pitchFamily="18" charset="0"/>
+                              </a:rPr>
+                              <m:t>𝑖</m:t>
+                            </m:r>
+                          </m:sub>
+                        </m:sSub>
+                        <m:r>
+                          <a:rPr lang="en-US" b="0" i="1" smtClean="0">
+                            <a:solidFill>
+                              <a:schemeClr val="tx1"/>
+                            </a:solidFill>
+                            <a:latin typeface="Cambria Math" panose="02040503050406030204" pitchFamily="18" charset="0"/>
+                          </a:rPr>
+                          <m:t> </m:t>
+                        </m:r>
+                        <m:sSub>
+                          <m:sSubPr>
+                            <m:ctrlPr>
+                              <a:rPr lang="en-US" b="0" i="1" smtClean="0">
+                                <a:solidFill>
+                                  <a:schemeClr val="tx1"/>
+                                </a:solidFill>
+                                <a:latin typeface="Cambria Math" panose="02040503050406030204" pitchFamily="18" charset="0"/>
+                              </a:rPr>
+                            </m:ctrlPr>
+                          </m:sSubPr>
+                          <m:e>
+                            <m:r>
+                              <a:rPr lang="en-US" b="0" i="1" smtClean="0">
+                                <a:solidFill>
+                                  <a:schemeClr val="tx1"/>
+                                </a:solidFill>
+                                <a:latin typeface="Cambria Math" panose="02040503050406030204" pitchFamily="18" charset="0"/>
+                              </a:rPr>
+                              <m:t>𝜙</m:t>
+                            </m:r>
+                          </m:e>
+                          <m:sub>
+                            <m:r>
+                              <a:rPr lang="en-US" b="0" i="1" smtClean="0">
+                                <a:solidFill>
+                                  <a:schemeClr val="tx1"/>
+                                </a:solidFill>
+                                <a:latin typeface="Cambria Math" panose="02040503050406030204" pitchFamily="18" charset="0"/>
+                              </a:rPr>
+                              <m:t>𝑖</m:t>
+                            </m:r>
+                          </m:sub>
+                        </m:sSub>
+                        <m:d>
+                          <m:dPr>
+                            <m:ctrlPr>
+                              <a:rPr lang="en-US" b="0" i="1" smtClean="0">
+                                <a:solidFill>
+                                  <a:schemeClr val="tx1"/>
+                                </a:solidFill>
+                                <a:latin typeface="Cambria Math" panose="02040503050406030204" pitchFamily="18" charset="0"/>
+                              </a:rPr>
+                            </m:ctrlPr>
+                          </m:dPr>
+                          <m:e>
+                            <m:r>
+                              <a:rPr lang="en-US" b="0" i="1" smtClean="0">
+                                <a:solidFill>
+                                  <a:schemeClr val="tx1"/>
+                                </a:solidFill>
+                                <a:latin typeface="Cambria Math" panose="02040503050406030204" pitchFamily="18" charset="0"/>
+                              </a:rPr>
+                              <m:t>𝑠</m:t>
+                            </m:r>
+                          </m:e>
+                        </m:d>
+                        <m:sSub>
+                          <m:sSubPr>
+                            <m:ctrlPr>
+                              <a:rPr lang="en-US" b="0" i="1" smtClean="0">
+                                <a:solidFill>
+                                  <a:schemeClr val="tx1"/>
+                                </a:solidFill>
+                                <a:latin typeface="Cambria Math" panose="02040503050406030204" pitchFamily="18" charset="0"/>
+                              </a:rPr>
+                            </m:ctrlPr>
+                          </m:sSubPr>
+                          <m:e>
+                            <m:r>
+                              <a:rPr lang="en-US" b="0" i="1" smtClean="0">
+                                <a:solidFill>
+                                  <a:schemeClr val="tx1"/>
+                                </a:solidFill>
+                                <a:latin typeface="Cambria Math" panose="02040503050406030204" pitchFamily="18" charset="0"/>
+                              </a:rPr>
+                              <m:t>𝑤</m:t>
+                            </m:r>
+                          </m:e>
+                          <m:sub>
+                            <m:r>
+                              <a:rPr lang="en-US" b="0" i="1" smtClean="0">
+                                <a:solidFill>
+                                  <a:schemeClr val="tx1"/>
+                                </a:solidFill>
+                                <a:latin typeface="Cambria Math" panose="02040503050406030204" pitchFamily="18" charset="0"/>
+                              </a:rPr>
+                              <m:t>𝑖</m:t>
+                            </m:r>
+                          </m:sub>
+                        </m:sSub>
+                      </m:num>
+                      <m:den>
+                        <m:sSub>
+                          <m:sSubPr>
+                            <m:ctrlPr>
+                              <a:rPr lang="en-US" b="0" i="1" smtClean="0">
+                                <a:solidFill>
+                                  <a:schemeClr val="tx1"/>
+                                </a:solidFill>
+                                <a:latin typeface="Cambria Math" panose="02040503050406030204" pitchFamily="18" charset="0"/>
+                              </a:rPr>
+                            </m:ctrlPr>
+                          </m:sSubPr>
+                          <m:e>
+                            <m:r>
+                              <m:rPr>
+                                <m:sty m:val="p"/>
+                              </m:rPr>
+                              <a:rPr lang="en-US" b="0" i="0" smtClean="0">
+                                <a:solidFill>
+                                  <a:schemeClr val="tx1"/>
+                                </a:solidFill>
+                                <a:latin typeface="Cambria Math" panose="02040503050406030204" pitchFamily="18" charset="0"/>
+                              </a:rPr>
+                              <m:t>Σ</m:t>
+                            </m:r>
+                          </m:e>
+                          <m:sub>
+                            <m:r>
+                              <a:rPr lang="en-US" b="0" i="1" smtClean="0">
+                                <a:solidFill>
+                                  <a:schemeClr val="tx1"/>
+                                </a:solidFill>
+                                <a:latin typeface="Cambria Math" panose="02040503050406030204" pitchFamily="18" charset="0"/>
+                              </a:rPr>
+                              <m:t>𝑖</m:t>
+                            </m:r>
+                          </m:sub>
+                        </m:sSub>
+                        <m:sSub>
+                          <m:sSubPr>
+                            <m:ctrlPr>
+                              <a:rPr lang="en-US" b="0" i="1" smtClean="0">
+                                <a:solidFill>
+                                  <a:schemeClr val="tx1"/>
+                                </a:solidFill>
+                                <a:latin typeface="Cambria Math" panose="02040503050406030204" pitchFamily="18" charset="0"/>
+                              </a:rPr>
+                            </m:ctrlPr>
+                          </m:sSubPr>
+                          <m:e>
+                            <m:r>
+                              <a:rPr lang="en-US" b="0" i="1" smtClean="0">
+                                <a:solidFill>
+                                  <a:schemeClr val="tx1"/>
+                                </a:solidFill>
+                                <a:latin typeface="Cambria Math" panose="02040503050406030204" pitchFamily="18" charset="0"/>
+                              </a:rPr>
+                              <m:t>𝜙</m:t>
+                            </m:r>
+                          </m:e>
+                          <m:sub>
+                            <m:r>
+                              <a:rPr lang="en-US" b="0" i="1" smtClean="0">
+                                <a:solidFill>
+                                  <a:schemeClr val="tx1"/>
+                                </a:solidFill>
+                                <a:latin typeface="Cambria Math" panose="02040503050406030204" pitchFamily="18" charset="0"/>
+                              </a:rPr>
+                              <m:t>𝑖</m:t>
+                            </m:r>
+                          </m:sub>
+                        </m:sSub>
+                        <m:r>
+                          <a:rPr lang="en-US" b="0" i="1" smtClean="0">
+                            <a:solidFill>
+                              <a:schemeClr val="tx1"/>
+                            </a:solidFill>
+                            <a:latin typeface="Cambria Math" panose="02040503050406030204" pitchFamily="18" charset="0"/>
+                          </a:rPr>
+                          <m:t>(</m:t>
+                        </m:r>
+                        <m:r>
+                          <a:rPr lang="en-US" b="0" i="1" smtClean="0">
+                            <a:solidFill>
+                              <a:schemeClr val="tx1"/>
+                            </a:solidFill>
+                            <a:latin typeface="Cambria Math" panose="02040503050406030204" pitchFamily="18" charset="0"/>
+                          </a:rPr>
+                          <m:t>𝑠</m:t>
+                        </m:r>
+                        <m:r>
+                          <a:rPr lang="en-US" b="0" i="1" smtClean="0">
+                            <a:solidFill>
+                              <a:schemeClr val="tx1"/>
+                            </a:solidFill>
+                            <a:latin typeface="Cambria Math" panose="02040503050406030204" pitchFamily="18" charset="0"/>
+                          </a:rPr>
+                          <m:t>)</m:t>
+                        </m:r>
+                      </m:den>
+                    </m:f>
+                    <m:r>
+                      <a:rPr lang="en-US" b="0" i="1" smtClean="0">
+                        <a:solidFill>
+                          <a:schemeClr val="tx1"/>
+                        </a:solidFill>
+                        <a:latin typeface="Cambria Math" panose="02040503050406030204" pitchFamily="18" charset="0"/>
+                      </a:rPr>
+                      <m:t>𝑠</m:t>
+                    </m:r>
+                  </m:oMath>
+                </a14:m>
+                <a:r>
+                  <a:rPr lang="en-US" dirty="0" smtClean="0">
+                    <a:solidFill>
+                      <a:schemeClr val="tx1"/>
+                    </a:solidFill>
+                  </a:rPr>
+                  <a:t> </a:t>
+                </a:r>
+              </a:p>
+              <a:p>
+                <a:pPr lvl="1">
+                  <a:buFont typeface="Wingdings" panose="05000000000000000000" pitchFamily="2" charset="2"/>
+                  <a:buChar char="Ø"/>
+                </a:pPr>
+                <a14:m>
+                  <m:oMath xmlns:m="http://schemas.openxmlformats.org/officeDocument/2006/math">
+                    <m:sSub>
+                      <m:sSubPr>
+                        <m:ctrlPr>
+                          <a:rPr lang="en-US" b="0" i="1" smtClean="0">
+                            <a:solidFill>
+                              <a:schemeClr val="tx1"/>
+                            </a:solidFill>
+                            <a:latin typeface="Cambria Math" panose="02040503050406030204" pitchFamily="18" charset="0"/>
+                          </a:rPr>
+                        </m:ctrlPr>
+                      </m:sSubPr>
+                      <m:e>
+                        <m:r>
+                          <a:rPr lang="en-US" b="0" i="1" smtClean="0">
+                            <a:solidFill>
+                              <a:schemeClr val="tx1"/>
+                            </a:solidFill>
+                            <a:latin typeface="Cambria Math" panose="02040503050406030204" pitchFamily="18" charset="0"/>
+                          </a:rPr>
+                          <m:t>𝜙</m:t>
+                        </m:r>
+                      </m:e>
+                      <m:sub>
+                        <m:r>
+                          <a:rPr lang="en-US" b="0" i="1" smtClean="0">
+                            <a:solidFill>
+                              <a:schemeClr val="tx1"/>
+                            </a:solidFill>
+                            <a:latin typeface="Cambria Math" panose="02040503050406030204" pitchFamily="18" charset="0"/>
+                          </a:rPr>
+                          <m:t>𝑖</m:t>
+                        </m:r>
+                      </m:sub>
+                    </m:sSub>
+                    <m:d>
+                      <m:dPr>
+                        <m:ctrlPr>
+                          <a:rPr lang="en-US" b="0" i="1" smtClean="0">
+                            <a:solidFill>
+                              <a:schemeClr val="tx1"/>
+                            </a:solidFill>
+                            <a:latin typeface="Cambria Math" panose="02040503050406030204" pitchFamily="18" charset="0"/>
+                          </a:rPr>
+                        </m:ctrlPr>
+                      </m:dPr>
+                      <m:e>
+                        <m:r>
+                          <a:rPr lang="en-US" b="0" i="1" smtClean="0">
+                            <a:solidFill>
+                              <a:schemeClr val="tx1"/>
+                            </a:solidFill>
+                            <a:latin typeface="Cambria Math" panose="02040503050406030204" pitchFamily="18" charset="0"/>
+                          </a:rPr>
+                          <m:t>𝑠</m:t>
+                        </m:r>
+                      </m:e>
+                    </m:d>
+                  </m:oMath>
+                </a14:m>
+                <a:r>
+                  <a:rPr lang="en-US" dirty="0" smtClean="0">
+                    <a:solidFill>
+                      <a:schemeClr val="tx1"/>
+                    </a:solidFill>
+                  </a:rPr>
+                  <a:t>: Is a Gaussian function</a:t>
+                </a:r>
+                <a:endParaRPr lang="en-US" dirty="0">
+                  <a:solidFill>
+                    <a:schemeClr val="tx1"/>
+                  </a:solidFill>
+                </a:endParaRPr>
+              </a:p>
+              <a:p>
+                <a:pPr>
+                  <a:buFont typeface="Arial" panose="020B0604020202020204" pitchFamily="34" charset="0"/>
+                  <a:buChar char="•"/>
+                </a:pPr>
+                <a:r>
+                  <a:rPr lang="en-US" dirty="0">
+                    <a:solidFill>
+                      <a:schemeClr val="tx1"/>
+                    </a:solidFill>
+                  </a:rPr>
+                  <a:t> For many dimensions, each dimension can be </a:t>
+                </a:r>
+                <a:r>
+                  <a:rPr lang="en-US" dirty="0" smtClean="0">
+                    <a:solidFill>
+                      <a:schemeClr val="tx1"/>
+                    </a:solidFill>
+                  </a:rPr>
+                  <a:t>described by </a:t>
+                </a:r>
+                <a:r>
+                  <a:rPr lang="en-US" dirty="0">
+                    <a:solidFill>
+                      <a:schemeClr val="tx1"/>
+                    </a:solidFill>
+                  </a:rPr>
+                  <a:t>equation (1)</a:t>
+                </a:r>
+              </a:p>
+            </p:txBody>
+          </p:sp>
+        </mc:Choice>
+        <mc:Fallback>
+          <p:sp>
+            <p:nvSpPr>
+              <p:cNvPr id="3" name="Content Placeholder 2"/>
+              <p:cNvSpPr>
+                <a:spLocks noGrp="1" noRot="1" noChangeAspect="1" noMove="1" noResize="1" noEditPoints="1" noAdjustHandles="1" noChangeArrowheads="1" noChangeShapeType="1" noTextEdit="1"/>
+              </p:cNvSpPr>
+              <p:nvPr>
+                <p:ph idx="1"/>
+              </p:nvPr>
+            </p:nvSpPr>
+            <p:spPr>
+              <a:xfrm>
+                <a:off x="1097280" y="1845734"/>
+                <a:ext cx="10058400" cy="4372186"/>
+              </a:xfrm>
+              <a:blipFill rotWithShape="0">
+                <a:blip r:embed="rId2"/>
+                <a:stretch>
+                  <a:fillRect l="-1455" t="-1534" b="-558"/>
+                </a:stretch>
+              </a:blipFill>
+            </p:spPr>
+            <p:txBody>
+              <a:bodyPr/>
+              <a:lstStyle/>
+              <a:p>
+                <a:r>
+                  <a:rPr lang="en-US">
+                    <a:noFill/>
+                  </a:rPr>
+                  <a:t> </a:t>
+                </a:r>
+              </a:p>
+            </p:txBody>
+          </p:sp>
+        </mc:Fallback>
+      </mc:AlternateContent>
       <p:sp>
         <p:nvSpPr>
           <p:cNvPr id="4" name="Slide Number Placeholder 3"/>
@@ -8416,45 +9505,486 @@
           <a:bodyPr/>
           <a:lstStyle/>
           <a:p>
+            <a:r>
+              <a:rPr lang="en-US" dirty="0" smtClean="0"/>
+              <a:t>DMS Features</a:t>
+            </a:r>
             <a:endParaRPr lang="en-US" dirty="0"/>
           </a:p>
         </p:txBody>
       </p:sp>
-      <p:sp>
-        <p:nvSpPr>
-          <p:cNvPr id="3" name="Content Placeholder 2"/>
-          <p:cNvSpPr>
-            <a:spLocks noGrp="1"/>
-          </p:cNvSpPr>
-          <p:nvPr>
-            <p:ph idx="1"/>
-          </p:nvPr>
-        </p:nvSpPr>
-        <p:spPr/>
-        <p:txBody>
-          <a:bodyPr/>
-          <a:lstStyle/>
-          <a:p>
-            <a:pPr>
-              <a:buFont typeface="Arial" panose="020B0604020202020204" pitchFamily="34" charset="0"/>
-              <a:buChar char="•"/>
-            </a:pPr>
-            <a:r>
-              <a:rPr lang="en-US" dirty="0" smtClean="0">
-                <a:solidFill>
-                  <a:schemeClr val="tx1"/>
-                </a:solidFill>
-              </a:rPr>
-              <a:t> V</a:t>
-            </a:r>
-            <a:endParaRPr lang="en-US" dirty="0">
-              <a:solidFill>
-                <a:schemeClr val="tx1"/>
-              </a:solidFill>
-            </a:endParaRPr>
-          </a:p>
-        </p:txBody>
-      </p:sp>
+      <mc:AlternateContent xmlns:mc="http://schemas.openxmlformats.org/markup-compatibility/2006">
+        <mc:Choice xmlns:a14="http://schemas.microsoft.com/office/drawing/2010/main" Requires="a14">
+          <p:sp>
+            <p:nvSpPr>
+              <p:cNvPr id="3" name="Content Placeholder 2"/>
+              <p:cNvSpPr>
+                <a:spLocks noGrp="1"/>
+              </p:cNvSpPr>
+              <p:nvPr>
+                <p:ph idx="1"/>
+              </p:nvPr>
+            </p:nvSpPr>
+            <p:spPr/>
+            <p:txBody>
+              <a:bodyPr/>
+              <a:lstStyle/>
+              <a:p>
+                <a:pPr>
+                  <a:buFont typeface="Arial" panose="020B0604020202020204" pitchFamily="34" charset="0"/>
+                  <a:buChar char="•"/>
+                </a:pPr>
+                <a:r>
+                  <a:rPr lang="en-US" dirty="0" smtClean="0">
+                    <a:solidFill>
+                      <a:schemeClr val="tx1"/>
+                    </a:solidFill>
+                  </a:rPr>
+                  <a:t> Advantageous</a:t>
+                </a:r>
+              </a:p>
+              <a:p>
+                <a:pPr lvl="1">
+                  <a:buFont typeface="Wingdings" panose="05000000000000000000" pitchFamily="2" charset="2"/>
+                  <a:buChar char="Ø"/>
+                </a:pPr>
+                <a:r>
+                  <a:rPr lang="en-US" dirty="0" smtClean="0">
+                    <a:solidFill>
+                      <a:schemeClr val="tx1"/>
+                    </a:solidFill>
+                  </a:rPr>
+                  <a:t> Any </a:t>
+                </a:r>
+                <a:r>
+                  <a:rPr lang="en-US" dirty="0">
+                    <a:solidFill>
+                      <a:schemeClr val="tx1"/>
+                    </a:solidFill>
+                  </a:rPr>
+                  <a:t>smooth movement can be generated with a </a:t>
+                </a:r>
+                <a:r>
+                  <a:rPr lang="en-US" dirty="0" smtClean="0">
+                    <a:solidFill>
+                      <a:schemeClr val="tx1"/>
+                    </a:solidFill>
+                  </a:rPr>
+                  <a:t>DMP</a:t>
+                </a:r>
+                <a:endParaRPr lang="en-US" dirty="0">
+                  <a:solidFill>
+                    <a:schemeClr val="tx1"/>
+                  </a:solidFill>
+                </a:endParaRPr>
+              </a:p>
+              <a:p>
+                <a:pPr lvl="1">
+                  <a:buFont typeface="Wingdings" panose="05000000000000000000" pitchFamily="2" charset="2"/>
+                  <a:buChar char="Ø"/>
+                </a:pPr>
+                <a:r>
+                  <a:rPr lang="en-US" dirty="0" smtClean="0">
+                    <a:solidFill>
+                      <a:schemeClr val="tx1"/>
+                    </a:solidFill>
+                  </a:rPr>
+                  <a:t> The </a:t>
+                </a:r>
+                <a:r>
+                  <a:rPr lang="en-US" dirty="0">
+                    <a:solidFill>
+                      <a:schemeClr val="tx1"/>
+                    </a:solidFill>
+                  </a:rPr>
+                  <a:t>differential equations converge to the goal </a:t>
+                </a:r>
+                <a:r>
+                  <a:rPr lang="en-US" dirty="0" smtClean="0">
+                    <a:solidFill>
+                      <a:schemeClr val="tx1"/>
+                    </a:solidFill>
+                  </a:rPr>
+                  <a:t>point g </a:t>
+                </a:r>
+                <a:r>
+                  <a:rPr lang="en-US" dirty="0">
+                    <a:solidFill>
+                      <a:schemeClr val="tx1"/>
+                    </a:solidFill>
+                  </a:rPr>
+                  <a:t>and automatically adapt to perturbations of the </a:t>
+                </a:r>
+                <a:r>
+                  <a:rPr lang="en-US" dirty="0" smtClean="0">
+                    <a:solidFill>
+                      <a:schemeClr val="tx1"/>
+                    </a:solidFill>
+                  </a:rPr>
+                  <a:t>state x</a:t>
+                </a:r>
+              </a:p>
+              <a:p>
+                <a:pPr lvl="1">
+                  <a:buFont typeface="Wingdings" panose="05000000000000000000" pitchFamily="2" charset="2"/>
+                  <a:buChar char="Ø"/>
+                </a:pPr>
+                <a:r>
+                  <a:rPr lang="en-US" dirty="0" smtClean="0">
+                    <a:solidFill>
+                      <a:schemeClr val="tx1"/>
+                    </a:solidFill>
+                  </a:rPr>
+                  <a:t> The </a:t>
+                </a:r>
+                <a:r>
+                  <a:rPr lang="en-US" dirty="0">
+                    <a:solidFill>
+                      <a:schemeClr val="tx1"/>
+                    </a:solidFill>
+                  </a:rPr>
+                  <a:t>generated movement adapts online to a change </a:t>
+                </a:r>
+                <a:r>
+                  <a:rPr lang="en-US" dirty="0" smtClean="0">
+                    <a:solidFill>
+                      <a:schemeClr val="tx1"/>
+                    </a:solidFill>
+                  </a:rPr>
+                  <a:t>of the </a:t>
+                </a:r>
+                <a:r>
+                  <a:rPr lang="en-US" dirty="0">
+                    <a:solidFill>
+                      <a:schemeClr val="tx1"/>
+                    </a:solidFill>
+                  </a:rPr>
+                  <a:t>goal </a:t>
+                </a:r>
+                <a:r>
+                  <a:rPr lang="en-US" dirty="0" smtClean="0">
+                    <a:solidFill>
+                      <a:schemeClr val="tx1"/>
+                    </a:solidFill>
+                  </a:rPr>
+                  <a:t>g</a:t>
+                </a:r>
+                <a:endParaRPr lang="en-US" dirty="0">
+                  <a:solidFill>
+                    <a:schemeClr val="tx1"/>
+                  </a:solidFill>
+                </a:endParaRPr>
+              </a:p>
+              <a:p>
+                <a:pPr lvl="1">
+                  <a:buFont typeface="Wingdings" panose="05000000000000000000" pitchFamily="2" charset="2"/>
+                  <a:buChar char="Ø"/>
+                </a:pPr>
+                <a:r>
+                  <a:rPr lang="en-US" dirty="0" smtClean="0">
+                    <a:solidFill>
+                      <a:schemeClr val="tx1"/>
+                    </a:solidFill>
+                  </a:rPr>
+                  <a:t> </a:t>
+                </a:r>
+                <a:r>
+                  <a:rPr lang="en-US" dirty="0">
+                    <a:solidFill>
+                      <a:schemeClr val="tx1"/>
+                    </a:solidFill>
+                  </a:rPr>
+                  <a:t>The differential equations are translation </a:t>
+                </a:r>
+                <a:r>
+                  <a:rPr lang="en-US" dirty="0" smtClean="0">
+                    <a:solidFill>
+                      <a:schemeClr val="tx1"/>
+                    </a:solidFill>
+                  </a:rPr>
+                  <a:t>invariant</a:t>
+                </a:r>
+              </a:p>
+              <a:p>
+                <a:pPr lvl="1">
+                  <a:buFont typeface="Wingdings" panose="05000000000000000000" pitchFamily="2" charset="2"/>
+                  <a:buChar char="Ø"/>
+                </a:pPr>
+                <a:r>
+                  <a:rPr lang="en-US" dirty="0">
+                    <a:solidFill>
+                      <a:schemeClr val="tx1"/>
+                    </a:solidFill>
+                  </a:rPr>
+                  <a:t>By setting , we can choose the duration of a </a:t>
+                </a:r>
+                <a:r>
+                  <a:rPr lang="en-US" dirty="0" smtClean="0">
+                    <a:solidFill>
+                      <a:schemeClr val="tx1"/>
+                    </a:solidFill>
+                  </a:rPr>
+                  <a:t>movement without </a:t>
+                </a:r>
+                <a:r>
+                  <a:rPr lang="en-US" dirty="0">
+                    <a:solidFill>
+                      <a:schemeClr val="tx1"/>
+                    </a:solidFill>
+                  </a:rPr>
+                  <a:t>changing the movement trajectory</a:t>
+                </a:r>
+              </a:p>
+              <a:p>
+                <a:pPr>
+                  <a:buFont typeface="Arial" panose="020B0604020202020204" pitchFamily="34" charset="0"/>
+                  <a:buChar char="•"/>
+                </a:pPr>
+                <a:r>
+                  <a:rPr lang="en-US" dirty="0" smtClean="0">
+                    <a:solidFill>
+                      <a:schemeClr val="tx1"/>
+                    </a:solidFill>
+                  </a:rPr>
+                  <a:t>Disadvantageous</a:t>
+                </a:r>
+              </a:p>
+              <a:p>
+                <a:pPr lvl="1">
+                  <a:buFont typeface="Wingdings" panose="05000000000000000000" pitchFamily="2" charset="2"/>
+                  <a:buChar char="Ø"/>
+                </a:pPr>
+                <a:r>
+                  <a:rPr lang="en-US" dirty="0">
+                    <a:solidFill>
+                      <a:schemeClr val="tx1"/>
+                    </a:solidFill>
+                  </a:rPr>
+                  <a:t> If start and end-point of a movement are the </a:t>
+                </a:r>
+                <a:r>
+                  <a:rPr lang="en-US" dirty="0" smtClean="0">
+                    <a:solidFill>
+                      <a:schemeClr val="tx1"/>
+                    </a:solidFill>
+                  </a:rPr>
+                  <a:t>same,</a:t>
+                </a:r>
+                <a14:m>
+                  <m:oMath xmlns:m="http://schemas.openxmlformats.org/officeDocument/2006/math">
+                    <m:sSub>
+                      <m:sSubPr>
+                        <m:ctrlPr>
+                          <a:rPr lang="en-US" b="0" i="1" smtClean="0">
+                            <a:solidFill>
+                              <a:schemeClr val="tx1"/>
+                            </a:solidFill>
+                            <a:latin typeface="Cambria Math" panose="02040503050406030204" pitchFamily="18" charset="0"/>
+                          </a:rPr>
+                        </m:ctrlPr>
+                      </m:sSubPr>
+                      <m:e>
+                        <m:r>
+                          <a:rPr lang="en-US" b="0" i="1" smtClean="0">
+                            <a:solidFill>
+                              <a:schemeClr val="tx1"/>
+                            </a:solidFill>
+                            <a:latin typeface="Cambria Math" panose="02040503050406030204" pitchFamily="18" charset="0"/>
+                          </a:rPr>
+                          <m:t>𝑥</m:t>
+                        </m:r>
+                      </m:e>
+                      <m:sub>
+                        <m:r>
+                          <a:rPr lang="en-US" b="0" i="1" smtClean="0">
+                            <a:solidFill>
+                              <a:schemeClr val="tx1"/>
+                            </a:solidFill>
+                            <a:latin typeface="Cambria Math" panose="02040503050406030204" pitchFamily="18" charset="0"/>
+                          </a:rPr>
+                          <m:t>0</m:t>
+                        </m:r>
+                      </m:sub>
+                    </m:sSub>
+                    <m:r>
+                      <a:rPr lang="en-US" b="0" i="1" smtClean="0">
+                        <a:solidFill>
+                          <a:schemeClr val="tx1"/>
+                        </a:solidFill>
+                        <a:latin typeface="Cambria Math" panose="02040503050406030204" pitchFamily="18" charset="0"/>
+                      </a:rPr>
+                      <m:t>=</m:t>
+                    </m:r>
+                    <m:r>
+                      <a:rPr lang="en-US" b="0" i="1" smtClean="0">
+                        <a:solidFill>
+                          <a:schemeClr val="tx1"/>
+                        </a:solidFill>
+                        <a:latin typeface="Cambria Math" panose="02040503050406030204" pitchFamily="18" charset="0"/>
+                      </a:rPr>
+                      <m:t>𝑔</m:t>
+                    </m:r>
+                  </m:oMath>
+                </a14:m>
+                <a:r>
+                  <a:rPr lang="en-US" dirty="0" smtClean="0">
+                    <a:solidFill>
+                      <a:schemeClr val="tx1"/>
+                    </a:solidFill>
+                  </a:rPr>
+                  <a:t>, </a:t>
+                </a:r>
+                <a:r>
+                  <a:rPr lang="en-US" dirty="0">
+                    <a:solidFill>
+                      <a:schemeClr val="tx1"/>
+                    </a:solidFill>
+                  </a:rPr>
+                  <a:t>no movement will be generated, </a:t>
+                </a:r>
+                <a:r>
+                  <a:rPr lang="en-US" dirty="0" smtClean="0">
+                    <a:solidFill>
+                      <a:schemeClr val="tx1"/>
+                    </a:solidFill>
+                  </a:rPr>
+                  <a:t>v’(t</a:t>
+                </a:r>
+                <a:r>
+                  <a:rPr lang="en-US" dirty="0">
+                    <a:solidFill>
+                      <a:schemeClr val="tx1"/>
+                    </a:solidFill>
+                  </a:rPr>
+                  <a:t>) = </a:t>
+                </a:r>
+                <a:r>
+                  <a:rPr lang="en-US" dirty="0" smtClean="0">
+                    <a:solidFill>
+                      <a:schemeClr val="tx1"/>
+                    </a:solidFill>
+                  </a:rPr>
+                  <a:t>0</a:t>
+                </a:r>
+              </a:p>
+              <a:p>
+                <a:pPr lvl="1">
+                  <a:buFont typeface="Wingdings" panose="05000000000000000000" pitchFamily="2" charset="2"/>
+                  <a:buChar char="Ø"/>
+                </a:pPr>
+                <a:r>
+                  <a:rPr lang="en-US" dirty="0">
+                    <a:solidFill>
+                      <a:schemeClr val="tx1"/>
+                    </a:solidFill>
+                  </a:rPr>
+                  <a:t>If g is close to x0, a small change in g may lead </a:t>
+                </a:r>
+                <a:r>
+                  <a:rPr lang="en-US" dirty="0" smtClean="0">
+                    <a:solidFill>
+                      <a:schemeClr val="tx1"/>
+                    </a:solidFill>
+                  </a:rPr>
+                  <a:t>to huge </a:t>
+                </a:r>
+                <a:r>
+                  <a:rPr lang="en-US" dirty="0">
+                    <a:solidFill>
+                      <a:schemeClr val="tx1"/>
+                    </a:solidFill>
+                  </a:rPr>
+                  <a:t>accelerations </a:t>
+                </a:r>
+                <a:r>
+                  <a:rPr lang="en-US" dirty="0" smtClean="0">
+                    <a:solidFill>
+                      <a:schemeClr val="tx1"/>
+                    </a:solidFill>
+                  </a:rPr>
+                  <a:t>that </a:t>
+                </a:r>
+                <a:r>
+                  <a:rPr lang="en-US" dirty="0">
+                    <a:solidFill>
+                      <a:schemeClr val="tx1"/>
+                    </a:solidFill>
+                  </a:rPr>
+                  <a:t>break the limits of </a:t>
+                </a:r>
+                <a:r>
+                  <a:rPr lang="en-US" dirty="0" smtClean="0">
+                    <a:solidFill>
+                      <a:schemeClr val="tx1"/>
+                    </a:solidFill>
+                  </a:rPr>
+                  <a:t>the robot</a:t>
+                </a:r>
+              </a:p>
+              <a:p>
+                <a:pPr lvl="1">
+                  <a:buFont typeface="Wingdings" panose="05000000000000000000" pitchFamily="2" charset="2"/>
+                  <a:buChar char="Ø"/>
+                </a:pPr>
+                <a:r>
+                  <a:rPr lang="en-US" dirty="0">
+                    <a:solidFill>
+                      <a:schemeClr val="tx1"/>
+                    </a:solidFill>
+                  </a:rPr>
+                  <a:t>If changing g across the zero point, the whole </a:t>
+                </a:r>
+                <a:r>
+                  <a:rPr lang="en-US" dirty="0" smtClean="0">
+                    <a:solidFill>
+                      <a:schemeClr val="tx1"/>
+                    </a:solidFill>
+                  </a:rPr>
+                  <a:t>movement inverts</a:t>
+                </a:r>
+                <a:endParaRPr lang="en-US" dirty="0">
+                  <a:solidFill>
+                    <a:schemeClr val="tx1"/>
+                  </a:solidFill>
+                </a:endParaRPr>
+              </a:p>
+            </p:txBody>
+          </p:sp>
+        </mc:Choice>
+        <mc:Fallback>
+          <p:sp>
+            <p:nvSpPr>
+              <p:cNvPr id="3" name="Content Placeholder 2"/>
+              <p:cNvSpPr>
+                <a:spLocks noGrp="1" noRot="1" noChangeAspect="1" noMove="1" noResize="1" noEditPoints="1" noAdjustHandles="1" noChangeArrowheads="1" noChangeShapeType="1" noTextEdit="1"/>
+              </p:cNvSpPr>
+              <p:nvPr>
+                <p:ph idx="1"/>
+              </p:nvPr>
+            </p:nvSpPr>
+            <p:spPr>
+              <a:blipFill rotWithShape="0">
+                <a:blip r:embed="rId2"/>
+                <a:stretch>
+                  <a:fillRect l="-1455" t="-1667" r="-970"/>
+                </a:stretch>
+              </a:blipFill>
+            </p:spPr>
+            <p:txBody>
+              <a:bodyPr/>
+              <a:lstStyle/>
+              <a:p>
+                <a:r>
+                  <a:rPr lang="en-US">
+                    <a:noFill/>
+                  </a:rPr>
+                  <a:t> </a:t>
+                </a:r>
+              </a:p>
+            </p:txBody>
+          </p:sp>
+        </mc:Fallback>
+      </mc:AlternateContent>
       <p:sp>
         <p:nvSpPr>
           <p:cNvPr id="4" name="Slide Number Placeholder 3"/>
@@ -8531,45 +10061,535 @@
           <a:bodyPr/>
           <a:lstStyle/>
           <a:p>
+            <a:r>
+              <a:rPr lang="en-US" dirty="0" smtClean="0"/>
+              <a:t>New DMP</a:t>
+            </a:r>
             <a:endParaRPr lang="en-US" dirty="0"/>
           </a:p>
         </p:txBody>
       </p:sp>
-      <p:sp>
-        <p:nvSpPr>
-          <p:cNvPr id="3" name="Content Placeholder 2"/>
-          <p:cNvSpPr>
-            <a:spLocks noGrp="1"/>
-          </p:cNvSpPr>
-          <p:nvPr>
-            <p:ph idx="1"/>
-          </p:nvPr>
-        </p:nvSpPr>
-        <p:spPr/>
-        <p:txBody>
-          <a:bodyPr/>
-          <a:lstStyle/>
-          <a:p>
-            <a:pPr>
-              <a:buFont typeface="Arial" panose="020B0604020202020204" pitchFamily="34" charset="0"/>
-              <a:buChar char="•"/>
-            </a:pPr>
-            <a:r>
-              <a:rPr lang="en-US" dirty="0" smtClean="0">
-                <a:solidFill>
-                  <a:schemeClr val="tx1"/>
-                </a:solidFill>
-              </a:rPr>
-              <a:t> V</a:t>
-            </a:r>
-            <a:endParaRPr lang="en-US" dirty="0">
-              <a:solidFill>
-                <a:schemeClr val="tx1"/>
-              </a:solidFill>
-            </a:endParaRPr>
-          </a:p>
-        </p:txBody>
-      </p:sp>
+      <mc:AlternateContent xmlns:mc="http://schemas.openxmlformats.org/markup-compatibility/2006">
+        <mc:Choice xmlns:a14="http://schemas.microsoft.com/office/drawing/2010/main" Requires="a14">
+          <p:sp>
+            <p:nvSpPr>
+              <p:cNvPr id="3" name="Content Placeholder 2"/>
+              <p:cNvSpPr>
+                <a:spLocks noGrp="1"/>
+              </p:cNvSpPr>
+              <p:nvPr>
+                <p:ph idx="1"/>
+              </p:nvPr>
+            </p:nvSpPr>
+            <p:spPr/>
+            <p:txBody>
+              <a:bodyPr/>
+              <a:lstStyle/>
+              <a:p>
+                <a:pPr>
+                  <a:buFont typeface="Arial" panose="020B0604020202020204" pitchFamily="34" charset="0"/>
+                  <a:buChar char="•"/>
+                </a:pPr>
+                <a:r>
+                  <a:rPr lang="en-US" dirty="0" smtClean="0">
+                    <a:solidFill>
+                      <a:schemeClr val="tx1"/>
+                    </a:solidFill>
+                  </a:rPr>
+                  <a:t> </a:t>
+                </a:r>
+                <a:r>
+                  <a:rPr lang="en-US" dirty="0">
+                    <a:solidFill>
+                      <a:schemeClr val="tx1"/>
+                    </a:solidFill>
+                  </a:rPr>
+                  <a:t>Their findings from …. Suggest that a limb moves along a </a:t>
+                </a:r>
+                <a:r>
+                  <a:rPr lang="en-US" dirty="0" smtClean="0">
+                    <a:solidFill>
+                      <a:schemeClr val="tx1"/>
+                    </a:solidFill>
+                  </a:rPr>
+                  <a:t>trajectory, by </a:t>
+                </a:r>
+                <a:r>
+                  <a:rPr lang="en-US" dirty="0">
+                    <a:solidFill>
+                      <a:schemeClr val="tx1"/>
+                    </a:solidFill>
+                  </a:rPr>
+                  <a:t>activating different convergent force fields in </a:t>
+                </a:r>
+                <a:r>
+                  <a:rPr lang="en-US" dirty="0" smtClean="0">
+                    <a:solidFill>
+                      <a:schemeClr val="tx1"/>
+                    </a:solidFill>
+                  </a:rPr>
+                  <a:t>sequence</a:t>
+                </a:r>
+              </a:p>
+              <a:p>
+                <a:pPr>
+                  <a:buFont typeface="Arial" panose="020B0604020202020204" pitchFamily="34" charset="0"/>
+                  <a:buChar char="•"/>
+                </a:pPr>
+                <a:r>
+                  <a:rPr lang="en-US" dirty="0">
+                    <a:solidFill>
+                      <a:schemeClr val="tx1"/>
+                    </a:solidFill>
+                  </a:rPr>
+                  <a:t>They build a differential equation based on </a:t>
+                </a:r>
+                <a:r>
+                  <a:rPr lang="en-US" dirty="0" smtClean="0">
+                    <a:solidFill>
+                      <a:schemeClr val="tx1"/>
+                    </a:solidFill>
+                  </a:rPr>
+                  <a:t>a sequence </a:t>
+                </a:r>
+                <a:r>
+                  <a:rPr lang="en-US" dirty="0">
+                    <a:solidFill>
+                      <a:schemeClr val="tx1"/>
+                    </a:solidFill>
+                  </a:rPr>
+                  <a:t>of convergent </a:t>
+                </a:r>
+                <a:r>
+                  <a:rPr lang="en-US" dirty="0" smtClean="0">
+                    <a:solidFill>
+                      <a:schemeClr val="tx1"/>
+                    </a:solidFill>
+                  </a:rPr>
+                  <a:t>fields but instead of force they used acceleration fields</a:t>
+                </a:r>
+                <a:endParaRPr lang="en-US" dirty="0">
+                  <a:solidFill>
+                    <a:schemeClr val="tx1"/>
+                  </a:solidFill>
+                </a:endParaRPr>
+              </a:p>
+              <a:p>
+                <a:pPr>
+                  <a:buFont typeface="Arial" panose="020B0604020202020204" pitchFamily="34" charset="0"/>
+                  <a:buChar char="•"/>
+                </a:pPr>
+                <a:r>
+                  <a:rPr lang="en-US" dirty="0" smtClean="0">
+                    <a:solidFill>
+                      <a:schemeClr val="tx1"/>
+                    </a:solidFill>
+                  </a:rPr>
+                  <a:t> The new acceleration equation is as follow:</a:t>
+                </a:r>
+                <a:endParaRPr lang="en-US" dirty="0">
+                  <a:solidFill>
+                    <a:schemeClr val="tx1"/>
+                  </a:solidFill>
+                </a:endParaRPr>
+              </a:p>
+              <a:p>
+                <a:pPr marL="0" indent="0">
+                  <a:buNone/>
+                </a:pPr>
+                <a14:m>
+                  <m:oMathPara xmlns:m="http://schemas.openxmlformats.org/officeDocument/2006/math">
+                    <m:oMathParaPr>
+                      <m:jc m:val="centerGroup"/>
+                    </m:oMathParaPr>
+                    <m:oMath xmlns:m="http://schemas.openxmlformats.org/officeDocument/2006/math">
+                      <m:sSup>
+                        <m:sSupPr>
+                          <m:ctrlPr>
+                            <a:rPr lang="en-US" b="0" i="1" smtClean="0">
+                              <a:solidFill>
+                                <a:schemeClr val="tx1"/>
+                              </a:solidFill>
+                              <a:latin typeface="Cambria Math" panose="02040503050406030204" pitchFamily="18" charset="0"/>
+                            </a:rPr>
+                          </m:ctrlPr>
+                        </m:sSupPr>
+                        <m:e>
+                          <m:r>
+                            <a:rPr lang="en-US" b="0" i="1" smtClean="0">
+                              <a:solidFill>
+                                <a:schemeClr val="tx1"/>
+                              </a:solidFill>
+                              <a:latin typeface="Cambria Math" panose="02040503050406030204" pitchFamily="18" charset="0"/>
+                            </a:rPr>
+                            <m:t>𝑣</m:t>
+                          </m:r>
+                        </m:e>
+                        <m:sup>
+                          <m:r>
+                            <a:rPr lang="en-US" b="0" i="1" smtClean="0">
+                              <a:solidFill>
+                                <a:schemeClr val="tx1"/>
+                              </a:solidFill>
+                              <a:latin typeface="Cambria Math" panose="02040503050406030204" pitchFamily="18" charset="0"/>
+                            </a:rPr>
+                            <m:t>′</m:t>
+                          </m:r>
+                        </m:sup>
+                      </m:sSup>
+                      <m:r>
+                        <a:rPr lang="en-US" b="0" i="1" smtClean="0">
+                          <a:solidFill>
+                            <a:schemeClr val="tx1"/>
+                          </a:solidFill>
+                          <a:latin typeface="Cambria Math" panose="02040503050406030204" pitchFamily="18" charset="0"/>
+                        </a:rPr>
+                        <m:t>=</m:t>
+                      </m:r>
+                      <m:r>
+                        <a:rPr lang="en-US" b="0" i="1" smtClean="0">
+                          <a:solidFill>
+                            <a:schemeClr val="tx1"/>
+                          </a:solidFill>
+                          <a:latin typeface="Cambria Math" panose="02040503050406030204" pitchFamily="18" charset="0"/>
+                        </a:rPr>
+                        <m:t>𝐾</m:t>
+                      </m:r>
+                      <m:d>
+                        <m:dPr>
+                          <m:ctrlPr>
+                            <a:rPr lang="en-US" b="0" i="1" smtClean="0">
+                              <a:solidFill>
+                                <a:schemeClr val="tx1"/>
+                              </a:solidFill>
+                              <a:latin typeface="Cambria Math" panose="02040503050406030204" pitchFamily="18" charset="0"/>
+                            </a:rPr>
+                          </m:ctrlPr>
+                        </m:dPr>
+                        <m:e>
+                          <m:r>
+                            <a:rPr lang="en-US" b="0" i="1" smtClean="0">
+                              <a:solidFill>
+                                <a:schemeClr val="tx1"/>
+                              </a:solidFill>
+                              <a:latin typeface="Cambria Math" panose="02040503050406030204" pitchFamily="18" charset="0"/>
+                            </a:rPr>
+                            <m:t>𝑔</m:t>
+                          </m:r>
+                          <m:r>
+                            <a:rPr lang="en-US" b="0" i="1" smtClean="0">
+                              <a:solidFill>
+                                <a:schemeClr val="tx1"/>
+                              </a:solidFill>
+                              <a:latin typeface="Cambria Math" panose="02040503050406030204" pitchFamily="18" charset="0"/>
+                            </a:rPr>
+                            <m:t>−</m:t>
+                          </m:r>
+                          <m:r>
+                            <a:rPr lang="en-US" b="0" i="1" smtClean="0">
+                              <a:solidFill>
+                                <a:schemeClr val="tx1"/>
+                              </a:solidFill>
+                              <a:latin typeface="Cambria Math" panose="02040503050406030204" pitchFamily="18" charset="0"/>
+                            </a:rPr>
+                            <m:t>𝑥</m:t>
+                          </m:r>
+                        </m:e>
+                      </m:d>
+                      <m:r>
+                        <a:rPr lang="en-US" b="0" i="1" smtClean="0">
+                          <a:solidFill>
+                            <a:schemeClr val="tx1"/>
+                          </a:solidFill>
+                          <a:latin typeface="Cambria Math" panose="02040503050406030204" pitchFamily="18" charset="0"/>
+                        </a:rPr>
+                        <m:t>−</m:t>
+                      </m:r>
+                      <m:r>
+                        <a:rPr lang="en-US" b="0" i="1" smtClean="0">
+                          <a:solidFill>
+                            <a:schemeClr val="tx1"/>
+                          </a:solidFill>
+                          <a:latin typeface="Cambria Math" panose="02040503050406030204" pitchFamily="18" charset="0"/>
+                        </a:rPr>
+                        <m:t>𝐷𝑣</m:t>
+                      </m:r>
+                      <m:r>
+                        <a:rPr lang="en-US" b="0" i="1" smtClean="0">
+                          <a:solidFill>
+                            <a:schemeClr val="tx1"/>
+                          </a:solidFill>
+                          <a:latin typeface="Cambria Math" panose="02040503050406030204" pitchFamily="18" charset="0"/>
+                        </a:rPr>
+                        <m:t> −</m:t>
+                      </m:r>
+                      <m:r>
+                        <a:rPr lang="en-US" b="0" i="1" smtClean="0">
+                          <a:solidFill>
+                            <a:schemeClr val="tx1"/>
+                          </a:solidFill>
+                          <a:latin typeface="Cambria Math" panose="02040503050406030204" pitchFamily="18" charset="0"/>
+                        </a:rPr>
+                        <m:t>𝐾</m:t>
+                      </m:r>
+                      <m:d>
+                        <m:dPr>
+                          <m:ctrlPr>
+                            <a:rPr lang="en-US" b="0" i="1" smtClean="0">
+                              <a:solidFill>
+                                <a:schemeClr val="tx1"/>
+                              </a:solidFill>
+                              <a:latin typeface="Cambria Math" panose="02040503050406030204" pitchFamily="18" charset="0"/>
+                            </a:rPr>
+                          </m:ctrlPr>
+                        </m:dPr>
+                        <m:e>
+                          <m:r>
+                            <a:rPr lang="en-US" b="0" i="1" smtClean="0">
+                              <a:solidFill>
+                                <a:schemeClr val="tx1"/>
+                              </a:solidFill>
+                              <a:latin typeface="Cambria Math" panose="02040503050406030204" pitchFamily="18" charset="0"/>
+                            </a:rPr>
+                            <m:t>𝑔</m:t>
+                          </m:r>
+                          <m:r>
+                            <a:rPr lang="en-US" b="0" i="1" smtClean="0">
+                              <a:solidFill>
+                                <a:schemeClr val="tx1"/>
+                              </a:solidFill>
+                              <a:latin typeface="Cambria Math" panose="02040503050406030204" pitchFamily="18" charset="0"/>
+                            </a:rPr>
+                            <m:t>−</m:t>
+                          </m:r>
+                          <m:sSub>
+                            <m:sSubPr>
+                              <m:ctrlPr>
+                                <a:rPr lang="en-US" b="0" i="1" smtClean="0">
+                                  <a:solidFill>
+                                    <a:schemeClr val="tx1"/>
+                                  </a:solidFill>
+                                  <a:latin typeface="Cambria Math" panose="02040503050406030204" pitchFamily="18" charset="0"/>
+                                </a:rPr>
+                              </m:ctrlPr>
+                            </m:sSubPr>
+                            <m:e>
+                              <m:r>
+                                <a:rPr lang="en-US" b="0" i="1" smtClean="0">
+                                  <a:solidFill>
+                                    <a:schemeClr val="tx1"/>
+                                  </a:solidFill>
+                                  <a:latin typeface="Cambria Math" panose="02040503050406030204" pitchFamily="18" charset="0"/>
+                                </a:rPr>
+                                <m:t>𝑥</m:t>
+                              </m:r>
+                            </m:e>
+                            <m:sub>
+                              <m:r>
+                                <a:rPr lang="en-US" b="0" i="1" smtClean="0">
+                                  <a:solidFill>
+                                    <a:schemeClr val="tx1"/>
+                                  </a:solidFill>
+                                  <a:latin typeface="Cambria Math" panose="02040503050406030204" pitchFamily="18" charset="0"/>
+                                </a:rPr>
+                                <m:t>0</m:t>
+                              </m:r>
+                            </m:sub>
+                          </m:sSub>
+                        </m:e>
+                      </m:d>
+                      <m:r>
+                        <a:rPr lang="en-US" b="0" i="1" smtClean="0">
+                          <a:solidFill>
+                            <a:schemeClr val="tx1"/>
+                          </a:solidFill>
+                          <a:latin typeface="Cambria Math" panose="02040503050406030204" pitchFamily="18" charset="0"/>
+                        </a:rPr>
+                        <m:t>𝑠</m:t>
+                      </m:r>
+                      <m:r>
+                        <a:rPr lang="en-US" b="0" i="1" smtClean="0">
+                          <a:solidFill>
+                            <a:schemeClr val="tx1"/>
+                          </a:solidFill>
+                          <a:latin typeface="Cambria Math" panose="02040503050406030204" pitchFamily="18" charset="0"/>
+                        </a:rPr>
+                        <m:t>+</m:t>
+                      </m:r>
+                      <m:r>
+                        <a:rPr lang="en-US" b="0" i="1" smtClean="0">
+                          <a:solidFill>
+                            <a:schemeClr val="tx1"/>
+                          </a:solidFill>
+                          <a:latin typeface="Cambria Math" panose="02040503050406030204" pitchFamily="18" charset="0"/>
+                        </a:rPr>
+                        <m:t>𝐾𝑓</m:t>
+                      </m:r>
+                      <m:d>
+                        <m:dPr>
+                          <m:ctrlPr>
+                            <a:rPr lang="en-US" b="0" i="1" smtClean="0">
+                              <a:solidFill>
+                                <a:schemeClr val="tx1"/>
+                              </a:solidFill>
+                              <a:latin typeface="Cambria Math" panose="02040503050406030204" pitchFamily="18" charset="0"/>
+                            </a:rPr>
+                          </m:ctrlPr>
+                        </m:dPr>
+                        <m:e>
+                          <m:r>
+                            <a:rPr lang="en-US" b="0" i="1" smtClean="0">
+                              <a:solidFill>
+                                <a:schemeClr val="tx1"/>
+                              </a:solidFill>
+                              <a:latin typeface="Cambria Math" panose="02040503050406030204" pitchFamily="18" charset="0"/>
+                            </a:rPr>
+                            <m:t>𝑠</m:t>
+                          </m:r>
+                        </m:e>
+                      </m:d>
+                      <m:r>
+                        <a:rPr lang="en-US" b="0" i="1" smtClean="0">
+                          <a:solidFill>
+                            <a:schemeClr val="tx1"/>
+                          </a:solidFill>
+                          <a:latin typeface="Cambria Math" panose="02040503050406030204" pitchFamily="18" charset="0"/>
+                        </a:rPr>
+                        <m:t>       (3)</m:t>
+                      </m:r>
+                    </m:oMath>
+                  </m:oMathPara>
+                </a14:m>
+                <a:endParaRPr lang="en-US" dirty="0" smtClean="0">
+                  <a:solidFill>
+                    <a:schemeClr val="tx1"/>
+                  </a:solidFill>
+                </a:endParaRPr>
+              </a:p>
+              <a:p>
+                <a:pPr>
+                  <a:buFont typeface="Arial" panose="020B0604020202020204" pitchFamily="34" charset="0"/>
+                  <a:buChar char="•"/>
+                </a:pPr>
+                <a:r>
+                  <a:rPr lang="en-US" dirty="0">
+                    <a:solidFill>
+                      <a:schemeClr val="tx1"/>
+                    </a:solidFill>
+                  </a:rPr>
+                  <a:t> </a:t>
+                </a:r>
+                <a:r>
+                  <a:rPr lang="en-US" dirty="0" smtClean="0">
+                    <a:solidFill>
+                      <a:schemeClr val="tx1"/>
+                    </a:solidFill>
+                  </a:rPr>
+                  <a:t>The </a:t>
+                </a:r>
+                <a:r>
+                  <a:rPr lang="en-US" dirty="0">
+                    <a:solidFill>
+                      <a:schemeClr val="tx1"/>
+                    </a:solidFill>
+                  </a:rPr>
+                  <a:t>new form is </a:t>
+                </a:r>
+                <a:r>
+                  <a:rPr lang="en-US" dirty="0" smtClean="0">
+                    <a:solidFill>
+                      <a:schemeClr val="tx1"/>
+                    </a:solidFill>
+                  </a:rPr>
+                  <a:t>invariant under </a:t>
+                </a:r>
+                <a:r>
+                  <a:rPr lang="en-US" dirty="0">
+                    <a:solidFill>
+                      <a:schemeClr val="tx1"/>
+                    </a:solidFill>
+                  </a:rPr>
+                  <a:t>rotations of the coordinate </a:t>
+                </a:r>
+                <a:r>
+                  <a:rPr lang="en-US" dirty="0" smtClean="0">
+                    <a:solidFill>
+                      <a:schemeClr val="tx1"/>
+                    </a:solidFill>
+                  </a:rPr>
+                  <a:t>system</a:t>
+                </a:r>
+              </a:p>
+              <a:p>
+                <a:pPr>
+                  <a:buFont typeface="Arial" panose="020B0604020202020204" pitchFamily="34" charset="0"/>
+                  <a:buChar char="•"/>
+                </a:pPr>
+                <a:r>
+                  <a:rPr lang="en-US" dirty="0">
+                    <a:solidFill>
+                      <a:schemeClr val="tx1"/>
+                    </a:solidFill>
+                  </a:rPr>
+                  <a:t> </a:t>
+                </a:r>
+                <a:r>
+                  <a:rPr lang="en-US" dirty="0" smtClean="0">
+                    <a:solidFill>
+                      <a:schemeClr val="tx1"/>
+                    </a:solidFill>
+                  </a:rPr>
+                  <a:t>To adapt to a new goal we just need to change the g at the beginning or during the movement</a:t>
+                </a:r>
+              </a:p>
+              <a:p>
+                <a:pPr>
+                  <a:buFont typeface="Arial" panose="020B0604020202020204" pitchFamily="34" charset="0"/>
+                  <a:buChar char="•"/>
+                </a:pPr>
+                <a:endParaRPr lang="en-US" dirty="0" smtClean="0">
+                  <a:solidFill>
+                    <a:schemeClr val="tx1"/>
+                  </a:solidFill>
+                </a:endParaRPr>
+              </a:p>
+            </p:txBody>
+          </p:sp>
+        </mc:Choice>
+        <mc:Fallback>
+          <p:sp>
+            <p:nvSpPr>
+              <p:cNvPr id="3" name="Content Placeholder 2"/>
+              <p:cNvSpPr>
+                <a:spLocks noGrp="1" noRot="1" noChangeAspect="1" noMove="1" noResize="1" noEditPoints="1" noAdjustHandles="1" noChangeArrowheads="1" noChangeShapeType="1" noTextEdit="1"/>
+              </p:cNvSpPr>
+              <p:nvPr>
+                <p:ph idx="1"/>
+              </p:nvPr>
+            </p:nvSpPr>
+            <p:spPr>
+              <a:blipFill rotWithShape="0">
+                <a:blip r:embed="rId2"/>
+                <a:stretch>
+                  <a:fillRect l="-1455" t="-1667" r="-545"/>
+                </a:stretch>
+              </a:blipFill>
+            </p:spPr>
+            <p:txBody>
+              <a:bodyPr/>
+              <a:lstStyle/>
+              <a:p>
+                <a:r>
+                  <a:rPr lang="en-US">
+                    <a:noFill/>
+                  </a:rPr>
+                  <a:t> </a:t>
+                </a:r>
+              </a:p>
+            </p:txBody>
+          </p:sp>
+        </mc:Fallback>
+      </mc:AlternateContent>
       <p:sp>
         <p:nvSpPr>
           <p:cNvPr id="4" name="Slide Number Placeholder 3"/>
@@ -8646,45 +10666,1327 @@
           <a:bodyPr/>
           <a:lstStyle/>
           <a:p>
+            <a:r>
+              <a:rPr lang="en-US" dirty="0" smtClean="0"/>
+              <a:t>Obstacle Avoidance</a:t>
+            </a:r>
             <a:endParaRPr lang="en-US" dirty="0"/>
           </a:p>
         </p:txBody>
       </p:sp>
-      <p:sp>
-        <p:nvSpPr>
-          <p:cNvPr id="3" name="Content Placeholder 2"/>
-          <p:cNvSpPr>
-            <a:spLocks noGrp="1"/>
-          </p:cNvSpPr>
-          <p:nvPr>
-            <p:ph idx="1"/>
-          </p:nvPr>
-        </p:nvSpPr>
-        <p:spPr/>
-        <p:txBody>
-          <a:bodyPr/>
-          <a:lstStyle/>
-          <a:p>
-            <a:pPr>
-              <a:buFont typeface="Arial" panose="020B0604020202020204" pitchFamily="34" charset="0"/>
-              <a:buChar char="•"/>
-            </a:pPr>
-            <a:r>
-              <a:rPr lang="en-US" dirty="0" smtClean="0">
-                <a:solidFill>
-                  <a:schemeClr val="tx1"/>
-                </a:solidFill>
-              </a:rPr>
-              <a:t> V</a:t>
-            </a:r>
-            <a:endParaRPr lang="en-US" dirty="0">
-              <a:solidFill>
-                <a:schemeClr val="tx1"/>
-              </a:solidFill>
-            </a:endParaRPr>
-          </a:p>
-        </p:txBody>
-      </p:sp>
+      <mc:AlternateContent xmlns:mc="http://schemas.openxmlformats.org/markup-compatibility/2006">
+        <mc:Choice xmlns:a14="http://schemas.microsoft.com/office/drawing/2010/main" Requires="a14">
+          <p:sp>
+            <p:nvSpPr>
+              <p:cNvPr id="3" name="Content Placeholder 2"/>
+              <p:cNvSpPr>
+                <a:spLocks noGrp="1"/>
+              </p:cNvSpPr>
+              <p:nvPr>
+                <p:ph idx="1"/>
+              </p:nvPr>
+            </p:nvSpPr>
+            <p:spPr/>
+            <p:txBody>
+              <a:bodyPr/>
+              <a:lstStyle/>
+              <a:p>
+                <a:pPr>
+                  <a:buFont typeface="Arial" panose="020B0604020202020204" pitchFamily="34" charset="0"/>
+                  <a:buChar char="•"/>
+                </a:pPr>
+                <a:r>
+                  <a:rPr lang="en-US" dirty="0" smtClean="0">
+                    <a:solidFill>
+                      <a:schemeClr val="tx1"/>
+                    </a:solidFill>
+                  </a:rPr>
+                  <a:t> For obstacle avoidance they added an additional ter</a:t>
+                </a:r>
+                <a:r>
+                  <a:rPr lang="en-US" dirty="0" smtClean="0">
+                    <a:solidFill>
+                      <a:schemeClr val="tx1"/>
+                    </a:solidFill>
+                  </a:rPr>
+                  <a:t>m p(</a:t>
+                </a:r>
+                <a:r>
+                  <a:rPr lang="en-US" dirty="0" err="1" smtClean="0">
+                    <a:solidFill>
+                      <a:schemeClr val="tx1"/>
+                    </a:solidFill>
+                  </a:rPr>
+                  <a:t>x,y</a:t>
+                </a:r>
+                <a:r>
+                  <a:rPr lang="en-US" dirty="0" smtClean="0">
+                    <a:solidFill>
+                      <a:schemeClr val="tx1"/>
+                    </a:solidFill>
+                  </a:rPr>
+                  <a:t>) to equation(3):</a:t>
+                </a:r>
+              </a:p>
+              <a:p>
+                <a:pPr marL="0" indent="0">
+                  <a:buNone/>
+                </a:pPr>
+                <a14:m>
+                  <m:oMathPara xmlns:m="http://schemas.openxmlformats.org/officeDocument/2006/math">
+                    <m:oMathParaPr>
+                      <m:jc m:val="centerGroup"/>
+                    </m:oMathParaPr>
+                    <m:oMath xmlns:m="http://schemas.openxmlformats.org/officeDocument/2006/math">
+                      <m:sSup>
+                        <m:sSupPr>
+                          <m:ctrlPr>
+                            <a:rPr lang="en-US" i="1">
+                              <a:solidFill>
+                                <a:schemeClr val="tx1"/>
+                              </a:solidFill>
+                              <a:latin typeface="Cambria Math" panose="02040503050406030204" pitchFamily="18" charset="0"/>
+                            </a:rPr>
+                          </m:ctrlPr>
+                        </m:sSupPr>
+                        <m:e>
+                          <m:r>
+                            <a:rPr lang="en-US" i="1">
+                              <a:solidFill>
+                                <a:schemeClr val="tx1"/>
+                              </a:solidFill>
+                              <a:latin typeface="Cambria Math" panose="02040503050406030204" pitchFamily="18" charset="0"/>
+                            </a:rPr>
+                            <m:t>𝑣</m:t>
+                          </m:r>
+                        </m:e>
+                        <m:sup>
+                          <m:r>
+                            <a:rPr lang="en-US" i="1">
+                              <a:solidFill>
+                                <a:schemeClr val="tx1"/>
+                              </a:solidFill>
+                              <a:latin typeface="Cambria Math" panose="02040503050406030204" pitchFamily="18" charset="0"/>
+                            </a:rPr>
+                            <m:t>′</m:t>
+                          </m:r>
+                        </m:sup>
+                      </m:sSup>
+                      <m:r>
+                        <a:rPr lang="en-US" i="1">
+                          <a:solidFill>
+                            <a:schemeClr val="tx1"/>
+                          </a:solidFill>
+                          <a:latin typeface="Cambria Math" panose="02040503050406030204" pitchFamily="18" charset="0"/>
+                        </a:rPr>
+                        <m:t>=</m:t>
+                      </m:r>
+                      <m:r>
+                        <a:rPr lang="en-US" i="1">
+                          <a:solidFill>
+                            <a:schemeClr val="tx1"/>
+                          </a:solidFill>
+                          <a:latin typeface="Cambria Math" panose="02040503050406030204" pitchFamily="18" charset="0"/>
+                        </a:rPr>
+                        <m:t>𝐾</m:t>
+                      </m:r>
+                      <m:d>
+                        <m:dPr>
+                          <m:ctrlPr>
+                            <a:rPr lang="en-US" i="1">
+                              <a:solidFill>
+                                <a:schemeClr val="tx1"/>
+                              </a:solidFill>
+                              <a:latin typeface="Cambria Math" panose="02040503050406030204" pitchFamily="18" charset="0"/>
+                            </a:rPr>
+                          </m:ctrlPr>
+                        </m:dPr>
+                        <m:e>
+                          <m:r>
+                            <a:rPr lang="en-US" i="1">
+                              <a:solidFill>
+                                <a:schemeClr val="tx1"/>
+                              </a:solidFill>
+                              <a:latin typeface="Cambria Math" panose="02040503050406030204" pitchFamily="18" charset="0"/>
+                            </a:rPr>
+                            <m:t>𝑔</m:t>
+                          </m:r>
+                          <m:r>
+                            <a:rPr lang="en-US" i="1">
+                              <a:solidFill>
+                                <a:schemeClr val="tx1"/>
+                              </a:solidFill>
+                              <a:latin typeface="Cambria Math" panose="02040503050406030204" pitchFamily="18" charset="0"/>
+                            </a:rPr>
+                            <m:t>−</m:t>
+                          </m:r>
+                          <m:r>
+                            <a:rPr lang="en-US" i="1">
+                              <a:solidFill>
+                                <a:schemeClr val="tx1"/>
+                              </a:solidFill>
+                              <a:latin typeface="Cambria Math" panose="02040503050406030204" pitchFamily="18" charset="0"/>
+                            </a:rPr>
+                            <m:t>𝑥</m:t>
+                          </m:r>
+                        </m:e>
+                      </m:d>
+                      <m:r>
+                        <a:rPr lang="en-US" i="1">
+                          <a:solidFill>
+                            <a:schemeClr val="tx1"/>
+                          </a:solidFill>
+                          <a:latin typeface="Cambria Math" panose="02040503050406030204" pitchFamily="18" charset="0"/>
+                        </a:rPr>
+                        <m:t>−</m:t>
+                      </m:r>
+                      <m:r>
+                        <a:rPr lang="en-US" i="1">
+                          <a:solidFill>
+                            <a:schemeClr val="tx1"/>
+                          </a:solidFill>
+                          <a:latin typeface="Cambria Math" panose="02040503050406030204" pitchFamily="18" charset="0"/>
+                        </a:rPr>
+                        <m:t>𝐷𝑣</m:t>
+                      </m:r>
+                      <m:r>
+                        <a:rPr lang="en-US" i="1">
+                          <a:solidFill>
+                            <a:schemeClr val="tx1"/>
+                          </a:solidFill>
+                          <a:latin typeface="Cambria Math" panose="02040503050406030204" pitchFamily="18" charset="0"/>
+                        </a:rPr>
+                        <m:t> −</m:t>
+                      </m:r>
+                      <m:r>
+                        <a:rPr lang="en-US" i="1">
+                          <a:solidFill>
+                            <a:schemeClr val="tx1"/>
+                          </a:solidFill>
+                          <a:latin typeface="Cambria Math" panose="02040503050406030204" pitchFamily="18" charset="0"/>
+                        </a:rPr>
+                        <m:t>𝐾</m:t>
+                      </m:r>
+                      <m:d>
+                        <m:dPr>
+                          <m:ctrlPr>
+                            <a:rPr lang="en-US" i="1">
+                              <a:solidFill>
+                                <a:schemeClr val="tx1"/>
+                              </a:solidFill>
+                              <a:latin typeface="Cambria Math" panose="02040503050406030204" pitchFamily="18" charset="0"/>
+                            </a:rPr>
+                          </m:ctrlPr>
+                        </m:dPr>
+                        <m:e>
+                          <m:r>
+                            <a:rPr lang="en-US" i="1">
+                              <a:solidFill>
+                                <a:schemeClr val="tx1"/>
+                              </a:solidFill>
+                              <a:latin typeface="Cambria Math" panose="02040503050406030204" pitchFamily="18" charset="0"/>
+                            </a:rPr>
+                            <m:t>𝑔</m:t>
+                          </m:r>
+                          <m:r>
+                            <a:rPr lang="en-US" i="1">
+                              <a:solidFill>
+                                <a:schemeClr val="tx1"/>
+                              </a:solidFill>
+                              <a:latin typeface="Cambria Math" panose="02040503050406030204" pitchFamily="18" charset="0"/>
+                            </a:rPr>
+                            <m:t>−</m:t>
+                          </m:r>
+                          <m:sSub>
+                            <m:sSubPr>
+                              <m:ctrlPr>
+                                <a:rPr lang="en-US" i="1">
+                                  <a:solidFill>
+                                    <a:schemeClr val="tx1"/>
+                                  </a:solidFill>
+                                  <a:latin typeface="Cambria Math" panose="02040503050406030204" pitchFamily="18" charset="0"/>
+                                </a:rPr>
+                              </m:ctrlPr>
+                            </m:sSubPr>
+                            <m:e>
+                              <m:r>
+                                <a:rPr lang="en-US" i="1">
+                                  <a:solidFill>
+                                    <a:schemeClr val="tx1"/>
+                                  </a:solidFill>
+                                  <a:latin typeface="Cambria Math" panose="02040503050406030204" pitchFamily="18" charset="0"/>
+                                </a:rPr>
+                                <m:t>𝑥</m:t>
+                              </m:r>
+                            </m:e>
+                            <m:sub>
+                              <m:r>
+                                <a:rPr lang="en-US" i="1">
+                                  <a:solidFill>
+                                    <a:schemeClr val="tx1"/>
+                                  </a:solidFill>
+                                  <a:latin typeface="Cambria Math" panose="02040503050406030204" pitchFamily="18" charset="0"/>
+                                </a:rPr>
+                                <m:t>0</m:t>
+                              </m:r>
+                            </m:sub>
+                          </m:sSub>
+                        </m:e>
+                      </m:d>
+                      <m:r>
+                        <a:rPr lang="en-US" i="1">
+                          <a:solidFill>
+                            <a:schemeClr val="tx1"/>
+                          </a:solidFill>
+                          <a:latin typeface="Cambria Math" panose="02040503050406030204" pitchFamily="18" charset="0"/>
+                        </a:rPr>
+                        <m:t>𝑠</m:t>
+                      </m:r>
+                      <m:r>
+                        <a:rPr lang="en-US" i="1">
+                          <a:solidFill>
+                            <a:schemeClr val="tx1"/>
+                          </a:solidFill>
+                          <a:latin typeface="Cambria Math" panose="02040503050406030204" pitchFamily="18" charset="0"/>
+                        </a:rPr>
+                        <m:t>+</m:t>
+                      </m:r>
+                      <m:r>
+                        <a:rPr lang="en-US" i="1">
+                          <a:solidFill>
+                            <a:schemeClr val="tx1"/>
+                          </a:solidFill>
+                          <a:latin typeface="Cambria Math" panose="02040503050406030204" pitchFamily="18" charset="0"/>
+                        </a:rPr>
+                        <m:t>𝐾𝑓</m:t>
+                      </m:r>
+                      <m:d>
+                        <m:dPr>
+                          <m:ctrlPr>
+                            <a:rPr lang="en-US" i="1">
+                              <a:solidFill>
+                                <a:schemeClr val="tx1"/>
+                              </a:solidFill>
+                              <a:latin typeface="Cambria Math" panose="02040503050406030204" pitchFamily="18" charset="0"/>
+                            </a:rPr>
+                          </m:ctrlPr>
+                        </m:dPr>
+                        <m:e>
+                          <m:r>
+                            <a:rPr lang="en-US" i="1">
+                              <a:solidFill>
+                                <a:schemeClr val="tx1"/>
+                              </a:solidFill>
+                              <a:latin typeface="Cambria Math" panose="02040503050406030204" pitchFamily="18" charset="0"/>
+                            </a:rPr>
+                            <m:t>𝑠</m:t>
+                          </m:r>
+                        </m:e>
+                      </m:d>
+                      <m:r>
+                        <a:rPr lang="en-US" b="0" i="1" smtClean="0">
+                          <a:solidFill>
+                            <a:schemeClr val="tx1"/>
+                          </a:solidFill>
+                          <a:latin typeface="Cambria Math" panose="02040503050406030204" pitchFamily="18" charset="0"/>
+                        </a:rPr>
+                        <m:t>+</m:t>
+                      </m:r>
+                      <m:r>
+                        <a:rPr lang="en-US" b="0" i="1" smtClean="0">
+                          <a:solidFill>
+                            <a:schemeClr val="tx1"/>
+                          </a:solidFill>
+                          <a:latin typeface="Cambria Math" panose="02040503050406030204" pitchFamily="18" charset="0"/>
+                        </a:rPr>
+                        <m:t>𝑝</m:t>
+                      </m:r>
+                      <m:d>
+                        <m:dPr>
+                          <m:ctrlPr>
+                            <a:rPr lang="en-US" b="0" i="1" smtClean="0">
+                              <a:solidFill>
+                                <a:schemeClr val="tx1"/>
+                              </a:solidFill>
+                              <a:latin typeface="Cambria Math" panose="02040503050406030204" pitchFamily="18" charset="0"/>
+                            </a:rPr>
+                          </m:ctrlPr>
+                        </m:dPr>
+                        <m:e>
+                          <m:r>
+                            <a:rPr lang="en-US" b="0" i="1" smtClean="0">
+                              <a:solidFill>
+                                <a:schemeClr val="tx1"/>
+                              </a:solidFill>
+                              <a:latin typeface="Cambria Math" panose="02040503050406030204" pitchFamily="18" charset="0"/>
+                            </a:rPr>
+                            <m:t>𝑥</m:t>
+                          </m:r>
+                          <m:r>
+                            <a:rPr lang="en-US" b="0" i="1" smtClean="0">
+                              <a:solidFill>
+                                <a:schemeClr val="tx1"/>
+                              </a:solidFill>
+                              <a:latin typeface="Cambria Math" panose="02040503050406030204" pitchFamily="18" charset="0"/>
+                            </a:rPr>
+                            <m:t>,</m:t>
+                          </m:r>
+                          <m:r>
+                            <a:rPr lang="en-US" b="0" i="1" smtClean="0">
+                              <a:solidFill>
+                                <a:schemeClr val="tx1"/>
+                              </a:solidFill>
+                              <a:latin typeface="Cambria Math" panose="02040503050406030204" pitchFamily="18" charset="0"/>
+                            </a:rPr>
+                            <m:t>𝑣</m:t>
+                          </m:r>
+                        </m:e>
+                      </m:d>
+                      <m:r>
+                        <a:rPr lang="en-US" b="0" i="1" smtClean="0">
+                          <a:solidFill>
+                            <a:schemeClr val="tx1"/>
+                          </a:solidFill>
+                          <a:latin typeface="Cambria Math" panose="02040503050406030204" pitchFamily="18" charset="0"/>
+                        </a:rPr>
+                        <m:t>        (4)</m:t>
+                      </m:r>
+                    </m:oMath>
+                  </m:oMathPara>
+                </a14:m>
+                <a:endParaRPr lang="en-US" dirty="0" smtClean="0">
+                  <a:solidFill>
+                    <a:schemeClr val="tx1"/>
+                  </a:solidFill>
+                </a:endParaRPr>
+              </a:p>
+              <a:p>
+                <a:pPr>
+                  <a:buFont typeface="Arial" panose="020B0604020202020204" pitchFamily="34" charset="0"/>
+                  <a:buChar char="•"/>
+                </a:pPr>
+                <a:r>
+                  <a:rPr lang="en-US" dirty="0">
+                    <a:solidFill>
+                      <a:schemeClr val="tx1"/>
+                    </a:solidFill>
+                  </a:rPr>
+                  <a:t> </a:t>
+                </a:r>
+                <a:r>
+                  <a:rPr lang="en-US" dirty="0" smtClean="0">
+                    <a:solidFill>
+                      <a:schemeClr val="tx1"/>
+                    </a:solidFill>
+                  </a:rPr>
+                  <a:t>Where for a single static obstacle:</a:t>
+                </a:r>
+              </a:p>
+              <a:p>
+                <a:pPr marL="0" indent="0">
+                  <a:buNone/>
+                </a:pPr>
+                <a14:m>
+                  <m:oMathPara xmlns:m="http://schemas.openxmlformats.org/officeDocument/2006/math">
+                    <m:oMathParaPr>
+                      <m:jc m:val="centerGroup"/>
+                    </m:oMathParaPr>
+                    <m:oMath xmlns:m="http://schemas.openxmlformats.org/officeDocument/2006/math">
+                      <m:r>
+                        <a:rPr lang="en-US" b="0" i="1" smtClean="0">
+                          <a:solidFill>
+                            <a:schemeClr val="tx1"/>
+                          </a:solidFill>
+                          <a:latin typeface="Cambria Math" panose="02040503050406030204" pitchFamily="18" charset="0"/>
+                        </a:rPr>
+                        <m:t>𝑝</m:t>
+                      </m:r>
+                      <m:d>
+                        <m:dPr>
+                          <m:ctrlPr>
+                            <a:rPr lang="en-US" b="0" i="1" smtClean="0">
+                              <a:solidFill>
+                                <a:schemeClr val="tx1"/>
+                              </a:solidFill>
+                              <a:latin typeface="Cambria Math" panose="02040503050406030204" pitchFamily="18" charset="0"/>
+                            </a:rPr>
+                          </m:ctrlPr>
+                        </m:dPr>
+                        <m:e>
+                          <m:r>
+                            <a:rPr lang="en-US" b="0" i="1" smtClean="0">
+                              <a:solidFill>
+                                <a:schemeClr val="tx1"/>
+                              </a:solidFill>
+                              <a:latin typeface="Cambria Math" panose="02040503050406030204" pitchFamily="18" charset="0"/>
+                            </a:rPr>
+                            <m:t>𝑥</m:t>
+                          </m:r>
+                          <m:r>
+                            <a:rPr lang="en-US" b="0" i="1" smtClean="0">
+                              <a:solidFill>
+                                <a:schemeClr val="tx1"/>
+                              </a:solidFill>
+                              <a:latin typeface="Cambria Math" panose="02040503050406030204" pitchFamily="18" charset="0"/>
+                            </a:rPr>
+                            <m:t>,</m:t>
+                          </m:r>
+                          <m:r>
+                            <a:rPr lang="en-US" b="0" i="1" smtClean="0">
+                              <a:solidFill>
+                                <a:schemeClr val="tx1"/>
+                              </a:solidFill>
+                              <a:latin typeface="Cambria Math" panose="02040503050406030204" pitchFamily="18" charset="0"/>
+                            </a:rPr>
+                            <m:t>𝑦</m:t>
+                          </m:r>
+                        </m:e>
+                      </m:d>
+                      <m:r>
+                        <a:rPr lang="en-US" b="0" i="1" smtClean="0">
+                          <a:solidFill>
+                            <a:schemeClr val="tx1"/>
+                          </a:solidFill>
+                          <a:latin typeface="Cambria Math" panose="02040503050406030204" pitchFamily="18" charset="0"/>
+                        </a:rPr>
+                        <m:t>=</m:t>
+                      </m:r>
+                      <m:r>
+                        <a:rPr lang="en-US" b="0" i="1" smtClean="0">
+                          <a:solidFill>
+                            <a:schemeClr val="tx1"/>
+                          </a:solidFill>
+                          <a:latin typeface="Cambria Math" panose="02040503050406030204" pitchFamily="18" charset="0"/>
+                        </a:rPr>
+                        <m:t>𝛾</m:t>
+                      </m:r>
+                      <m:r>
+                        <a:rPr lang="en-US" b="0" i="1" smtClean="0">
+                          <a:solidFill>
+                            <a:schemeClr val="tx1"/>
+                          </a:solidFill>
+                          <a:latin typeface="Cambria Math" panose="02040503050406030204" pitchFamily="18" charset="0"/>
+                        </a:rPr>
+                        <m:t>𝑅𝑣</m:t>
+                      </m:r>
+                      <m:r>
+                        <a:rPr lang="en-US" b="0" i="1" smtClean="0">
+                          <a:solidFill>
+                            <a:schemeClr val="tx1"/>
+                          </a:solidFill>
+                          <a:latin typeface="Cambria Math" panose="02040503050406030204" pitchFamily="18" charset="0"/>
+                        </a:rPr>
+                        <m:t>𝜙</m:t>
+                      </m:r>
+                      <m:r>
+                        <m:rPr>
+                          <m:sty m:val="p"/>
+                        </m:rPr>
+                        <a:rPr lang="en-US" b="0" i="0" smtClean="0">
+                          <a:solidFill>
+                            <a:schemeClr val="tx1"/>
+                          </a:solidFill>
+                          <a:latin typeface="Cambria Math" panose="02040503050406030204" pitchFamily="18" charset="0"/>
+                        </a:rPr>
+                        <m:t>exp</m:t>
+                      </m:r>
+                      <m:r>
+                        <a:rPr lang="en-US" b="0" i="1" smtClean="0">
+                          <a:solidFill>
+                            <a:schemeClr val="tx1"/>
+                          </a:solidFill>
+                          <a:latin typeface="Cambria Math" panose="02040503050406030204" pitchFamily="18" charset="0"/>
+                        </a:rPr>
+                        <m:t>⁡(−</m:t>
+                      </m:r>
+                      <m:r>
+                        <a:rPr lang="en-US" b="0" i="1" smtClean="0">
+                          <a:solidFill>
+                            <a:schemeClr val="tx1"/>
+                          </a:solidFill>
+                          <a:latin typeface="Cambria Math" panose="02040503050406030204" pitchFamily="18" charset="0"/>
+                        </a:rPr>
+                        <m:t>𝛽𝜙</m:t>
+                      </m:r>
+                      <m:r>
+                        <a:rPr lang="en-US" b="0" i="1" smtClean="0">
+                          <a:solidFill>
+                            <a:schemeClr val="tx1"/>
+                          </a:solidFill>
+                          <a:latin typeface="Cambria Math" panose="02040503050406030204" pitchFamily="18" charset="0"/>
+                        </a:rPr>
+                        <m:t>)</m:t>
+                      </m:r>
+                    </m:oMath>
+                  </m:oMathPara>
+                </a14:m>
+                <a:endParaRPr lang="en-US" dirty="0" smtClean="0">
+                  <a:solidFill>
+                    <a:schemeClr val="tx1"/>
+                  </a:solidFill>
+                </a:endParaRPr>
+              </a:p>
+              <a:p>
+                <a:pPr>
+                  <a:buFont typeface="Arial" panose="020B0604020202020204" pitchFamily="34" charset="0"/>
+                  <a:buChar char="•"/>
+                </a:pPr>
+                <a:r>
+                  <a:rPr lang="en-US" dirty="0" smtClean="0">
+                    <a:solidFill>
+                      <a:schemeClr val="tx1"/>
+                    </a:solidFill>
+                  </a:rPr>
+                  <a:t> For many static obstacle:</a:t>
+                </a:r>
+              </a:p>
+              <a:p>
+                <a:pPr marL="0" indent="0">
+                  <a:buNone/>
+                </a:pPr>
+                <a14:m>
+                  <m:oMathPara xmlns:m="http://schemas.openxmlformats.org/officeDocument/2006/math">
+                    <m:oMathParaPr>
+                      <m:jc m:val="centerGroup"/>
+                    </m:oMathParaPr>
+                    <m:oMath xmlns:m="http://schemas.openxmlformats.org/officeDocument/2006/math">
+                      <m:r>
+                        <a:rPr lang="en-US" i="1">
+                          <a:solidFill>
+                            <a:schemeClr val="tx1"/>
+                          </a:solidFill>
+                          <a:latin typeface="Cambria Math" panose="02040503050406030204" pitchFamily="18" charset="0"/>
+                        </a:rPr>
+                        <m:t>𝑝</m:t>
+                      </m:r>
+                      <m:d>
+                        <m:dPr>
+                          <m:ctrlPr>
+                            <a:rPr lang="en-US" i="1">
+                              <a:solidFill>
+                                <a:schemeClr val="tx1"/>
+                              </a:solidFill>
+                              <a:latin typeface="Cambria Math" panose="02040503050406030204" pitchFamily="18" charset="0"/>
+                            </a:rPr>
+                          </m:ctrlPr>
+                        </m:dPr>
+                        <m:e>
+                          <m:r>
+                            <a:rPr lang="en-US" i="1">
+                              <a:solidFill>
+                                <a:schemeClr val="tx1"/>
+                              </a:solidFill>
+                              <a:latin typeface="Cambria Math" panose="02040503050406030204" pitchFamily="18" charset="0"/>
+                            </a:rPr>
+                            <m:t>𝑥</m:t>
+                          </m:r>
+                          <m:r>
+                            <a:rPr lang="en-US" i="1">
+                              <a:solidFill>
+                                <a:schemeClr val="tx1"/>
+                              </a:solidFill>
+                              <a:latin typeface="Cambria Math" panose="02040503050406030204" pitchFamily="18" charset="0"/>
+                            </a:rPr>
+                            <m:t>,</m:t>
+                          </m:r>
+                          <m:r>
+                            <a:rPr lang="en-US" i="1">
+                              <a:solidFill>
+                                <a:schemeClr val="tx1"/>
+                              </a:solidFill>
+                              <a:latin typeface="Cambria Math" panose="02040503050406030204" pitchFamily="18" charset="0"/>
+                            </a:rPr>
+                            <m:t>𝑦</m:t>
+                          </m:r>
+                        </m:e>
+                      </m:d>
+                      <m:r>
+                        <a:rPr lang="en-US" i="1">
+                          <a:solidFill>
+                            <a:schemeClr val="tx1"/>
+                          </a:solidFill>
+                          <a:latin typeface="Cambria Math" panose="02040503050406030204" pitchFamily="18" charset="0"/>
+                        </a:rPr>
+                        <m:t>=</m:t>
+                      </m:r>
+                      <m:r>
+                        <a:rPr lang="en-US" i="1">
+                          <a:solidFill>
+                            <a:schemeClr val="tx1"/>
+                          </a:solidFill>
+                          <a:latin typeface="Cambria Math" panose="02040503050406030204" pitchFamily="18" charset="0"/>
+                        </a:rPr>
+                        <m:t>𝛾</m:t>
+                      </m:r>
+                      <m:sSub>
+                        <m:sSubPr>
+                          <m:ctrlPr>
+                            <a:rPr lang="en-US" b="0" i="1" smtClean="0">
+                              <a:solidFill>
+                                <a:schemeClr val="tx1"/>
+                              </a:solidFill>
+                              <a:latin typeface="Cambria Math" panose="02040503050406030204" pitchFamily="18" charset="0"/>
+                            </a:rPr>
+                          </m:ctrlPr>
+                        </m:sSubPr>
+                        <m:e>
+                          <m:r>
+                            <m:rPr>
+                              <m:sty m:val="p"/>
+                            </m:rPr>
+                            <a:rPr lang="en-US" b="0" i="0" smtClean="0">
+                              <a:solidFill>
+                                <a:schemeClr val="tx1"/>
+                              </a:solidFill>
+                              <a:latin typeface="Cambria Math" panose="02040503050406030204" pitchFamily="18" charset="0"/>
+                            </a:rPr>
+                            <m:t>Σ</m:t>
+                          </m:r>
+                        </m:e>
+                        <m:sub>
+                          <m:r>
+                            <a:rPr lang="en-US" b="0" i="1" smtClean="0">
+                              <a:solidFill>
+                                <a:schemeClr val="tx1"/>
+                              </a:solidFill>
+                              <a:latin typeface="Cambria Math" panose="02040503050406030204" pitchFamily="18" charset="0"/>
+                            </a:rPr>
+                            <m:t>𝑖</m:t>
+                          </m:r>
+                        </m:sub>
+                      </m:sSub>
+                      <m:sSub>
+                        <m:sSubPr>
+                          <m:ctrlPr>
+                            <a:rPr lang="en-US" b="0" i="1" smtClean="0">
+                              <a:solidFill>
+                                <a:schemeClr val="tx1"/>
+                              </a:solidFill>
+                              <a:latin typeface="Cambria Math" panose="02040503050406030204" pitchFamily="18" charset="0"/>
+                            </a:rPr>
+                          </m:ctrlPr>
+                        </m:sSubPr>
+                        <m:e>
+                          <m:r>
+                            <a:rPr lang="en-US" i="1">
+                              <a:solidFill>
+                                <a:schemeClr val="tx1"/>
+                              </a:solidFill>
+                              <a:latin typeface="Cambria Math" panose="02040503050406030204" pitchFamily="18" charset="0"/>
+                            </a:rPr>
+                            <m:t>𝑅</m:t>
+                          </m:r>
+                        </m:e>
+                        <m:sub>
+                          <m:r>
+                            <a:rPr lang="en-US" b="0" i="1" smtClean="0">
+                              <a:solidFill>
+                                <a:schemeClr val="tx1"/>
+                              </a:solidFill>
+                              <a:latin typeface="Cambria Math" panose="02040503050406030204" pitchFamily="18" charset="0"/>
+                            </a:rPr>
+                            <m:t>𝑖</m:t>
+                          </m:r>
+                        </m:sub>
+                      </m:sSub>
+                      <m:r>
+                        <a:rPr lang="en-US" i="1">
+                          <a:solidFill>
+                            <a:schemeClr val="tx1"/>
+                          </a:solidFill>
+                          <a:latin typeface="Cambria Math" panose="02040503050406030204" pitchFamily="18" charset="0"/>
+                        </a:rPr>
+                        <m:t>𝑣</m:t>
+                      </m:r>
+                      <m:sSub>
+                        <m:sSubPr>
+                          <m:ctrlPr>
+                            <a:rPr lang="en-US" b="0" i="1" smtClean="0">
+                              <a:solidFill>
+                                <a:schemeClr val="tx1"/>
+                              </a:solidFill>
+                              <a:latin typeface="Cambria Math" panose="02040503050406030204" pitchFamily="18" charset="0"/>
+                            </a:rPr>
+                          </m:ctrlPr>
+                        </m:sSubPr>
+                        <m:e>
+                          <m:r>
+                            <a:rPr lang="en-US" i="1">
+                              <a:solidFill>
+                                <a:schemeClr val="tx1"/>
+                              </a:solidFill>
+                              <a:latin typeface="Cambria Math" panose="02040503050406030204" pitchFamily="18" charset="0"/>
+                            </a:rPr>
+                            <m:t>𝜙</m:t>
+                          </m:r>
+                        </m:e>
+                        <m:sub>
+                          <m:r>
+                            <a:rPr lang="en-US" b="0" i="1" smtClean="0">
+                              <a:solidFill>
+                                <a:schemeClr val="tx1"/>
+                              </a:solidFill>
+                              <a:latin typeface="Cambria Math" panose="02040503050406030204" pitchFamily="18" charset="0"/>
+                            </a:rPr>
+                            <m:t>𝑖</m:t>
+                          </m:r>
+                        </m:sub>
+                      </m:sSub>
+                      <m:r>
+                        <m:rPr>
+                          <m:sty m:val="p"/>
+                        </m:rPr>
+                        <a:rPr lang="en-US">
+                          <a:solidFill>
+                            <a:schemeClr val="tx1"/>
+                          </a:solidFill>
+                          <a:latin typeface="Cambria Math" panose="02040503050406030204" pitchFamily="18" charset="0"/>
+                        </a:rPr>
+                        <m:t>exp</m:t>
+                      </m:r>
+                      <m:r>
+                        <a:rPr lang="en-US" i="1">
+                          <a:solidFill>
+                            <a:schemeClr val="tx1"/>
+                          </a:solidFill>
+                          <a:latin typeface="Cambria Math" panose="02040503050406030204" pitchFamily="18" charset="0"/>
+                        </a:rPr>
+                        <m:t>⁡(−</m:t>
+                      </m:r>
+                      <m:r>
+                        <a:rPr lang="en-US" i="1">
+                          <a:solidFill>
+                            <a:schemeClr val="tx1"/>
+                          </a:solidFill>
+                          <a:latin typeface="Cambria Math" panose="02040503050406030204" pitchFamily="18" charset="0"/>
+                        </a:rPr>
+                        <m:t>𝛽</m:t>
+                      </m:r>
+                      <m:sSub>
+                        <m:sSubPr>
+                          <m:ctrlPr>
+                            <a:rPr lang="en-US" b="0" i="1" smtClean="0">
+                              <a:solidFill>
+                                <a:schemeClr val="tx1"/>
+                              </a:solidFill>
+                              <a:latin typeface="Cambria Math" panose="02040503050406030204" pitchFamily="18" charset="0"/>
+                            </a:rPr>
+                          </m:ctrlPr>
+                        </m:sSubPr>
+                        <m:e>
+                          <m:r>
+                            <a:rPr lang="en-US" i="1">
+                              <a:solidFill>
+                                <a:schemeClr val="tx1"/>
+                              </a:solidFill>
+                              <a:latin typeface="Cambria Math" panose="02040503050406030204" pitchFamily="18" charset="0"/>
+                            </a:rPr>
+                            <m:t>𝜙</m:t>
+                          </m:r>
+                        </m:e>
+                        <m:sub>
+                          <m:r>
+                            <a:rPr lang="en-US" b="0" i="1" smtClean="0">
+                              <a:solidFill>
+                                <a:schemeClr val="tx1"/>
+                              </a:solidFill>
+                              <a:latin typeface="Cambria Math" panose="02040503050406030204" pitchFamily="18" charset="0"/>
+                            </a:rPr>
+                            <m:t>𝑖</m:t>
+                          </m:r>
+                        </m:sub>
+                      </m:sSub>
+                      <m:r>
+                        <a:rPr lang="en-US" i="1">
+                          <a:solidFill>
+                            <a:schemeClr val="tx1"/>
+                          </a:solidFill>
+                          <a:latin typeface="Cambria Math" panose="02040503050406030204" pitchFamily="18" charset="0"/>
+                        </a:rPr>
+                        <m:t>)</m:t>
+                      </m:r>
+                    </m:oMath>
+                  </m:oMathPara>
+                </a14:m>
+                <a:endParaRPr lang="en-US" dirty="0" smtClean="0">
+                  <a:solidFill>
+                    <a:schemeClr val="tx1"/>
+                  </a:solidFill>
+                </a:endParaRPr>
+              </a:p>
+              <a:p>
+                <a:pPr>
+                  <a:buFont typeface="Arial" panose="020B0604020202020204" pitchFamily="34" charset="0"/>
+                  <a:buChar char="•"/>
+                </a:pPr>
+                <a:r>
+                  <a:rPr lang="en-US" dirty="0" smtClean="0">
+                    <a:solidFill>
+                      <a:schemeClr val="tx1"/>
+                    </a:solidFill>
+                  </a:rPr>
+                  <a:t> For moving obstacles:</a:t>
+                </a:r>
+              </a:p>
+              <a:p>
+                <a:pPr marL="0" indent="0">
+                  <a:buNone/>
+                </a:pPr>
+                <a14:m>
+                  <m:oMathPara xmlns:m="http://schemas.openxmlformats.org/officeDocument/2006/math">
+                    <m:oMathParaPr>
+                      <m:jc m:val="centerGroup"/>
+                    </m:oMathParaPr>
+                    <m:oMath xmlns:m="http://schemas.openxmlformats.org/officeDocument/2006/math">
+                      <m:r>
+                        <a:rPr lang="en-US" i="1">
+                          <a:solidFill>
+                            <a:schemeClr val="tx1"/>
+                          </a:solidFill>
+                          <a:latin typeface="Cambria Math" panose="02040503050406030204" pitchFamily="18" charset="0"/>
+                        </a:rPr>
+                        <m:t>𝑝</m:t>
+                      </m:r>
+                      <m:d>
+                        <m:dPr>
+                          <m:ctrlPr>
+                            <a:rPr lang="en-US" i="1">
+                              <a:solidFill>
+                                <a:schemeClr val="tx1"/>
+                              </a:solidFill>
+                              <a:latin typeface="Cambria Math" panose="02040503050406030204" pitchFamily="18" charset="0"/>
+                            </a:rPr>
+                          </m:ctrlPr>
+                        </m:dPr>
+                        <m:e>
+                          <m:r>
+                            <a:rPr lang="en-US" i="1">
+                              <a:solidFill>
+                                <a:schemeClr val="tx1"/>
+                              </a:solidFill>
+                              <a:latin typeface="Cambria Math" panose="02040503050406030204" pitchFamily="18" charset="0"/>
+                            </a:rPr>
+                            <m:t>𝑥</m:t>
+                          </m:r>
+                          <m:r>
+                            <a:rPr lang="en-US" i="1">
+                              <a:solidFill>
+                                <a:schemeClr val="tx1"/>
+                              </a:solidFill>
+                              <a:latin typeface="Cambria Math" panose="02040503050406030204" pitchFamily="18" charset="0"/>
+                            </a:rPr>
+                            <m:t>,</m:t>
+                          </m:r>
+                          <m:r>
+                            <a:rPr lang="en-US" i="1">
+                              <a:solidFill>
+                                <a:schemeClr val="tx1"/>
+                              </a:solidFill>
+                              <a:latin typeface="Cambria Math" panose="02040503050406030204" pitchFamily="18" charset="0"/>
+                            </a:rPr>
+                            <m:t>𝑦</m:t>
+                          </m:r>
+                        </m:e>
+                      </m:d>
+                      <m:r>
+                        <a:rPr lang="en-US" i="1">
+                          <a:solidFill>
+                            <a:schemeClr val="tx1"/>
+                          </a:solidFill>
+                          <a:latin typeface="Cambria Math" panose="02040503050406030204" pitchFamily="18" charset="0"/>
+                        </a:rPr>
+                        <m:t>=</m:t>
+                      </m:r>
+                      <m:r>
+                        <a:rPr lang="en-US" i="1">
+                          <a:solidFill>
+                            <a:schemeClr val="tx1"/>
+                          </a:solidFill>
+                          <a:latin typeface="Cambria Math" panose="02040503050406030204" pitchFamily="18" charset="0"/>
+                        </a:rPr>
+                        <m:t>𝛾</m:t>
+                      </m:r>
+                      <m:sSub>
+                        <m:sSubPr>
+                          <m:ctrlPr>
+                            <a:rPr lang="en-US" b="0" i="1" smtClean="0">
+                              <a:solidFill>
+                                <a:schemeClr val="tx1"/>
+                              </a:solidFill>
+                              <a:latin typeface="Cambria Math" panose="02040503050406030204" pitchFamily="18" charset="0"/>
+                            </a:rPr>
+                          </m:ctrlPr>
+                        </m:sSubPr>
+                        <m:e>
+                          <m:r>
+                            <m:rPr>
+                              <m:sty m:val="p"/>
+                            </m:rPr>
+                            <a:rPr lang="en-US" b="0" i="0" smtClean="0">
+                              <a:solidFill>
+                                <a:schemeClr val="tx1"/>
+                              </a:solidFill>
+                              <a:latin typeface="Cambria Math" panose="02040503050406030204" pitchFamily="18" charset="0"/>
+                            </a:rPr>
+                            <m:t>Σ</m:t>
+                          </m:r>
+                        </m:e>
+                        <m:sub>
+                          <m:r>
+                            <a:rPr lang="en-US" b="0" i="1" smtClean="0">
+                              <a:solidFill>
+                                <a:schemeClr val="tx1"/>
+                              </a:solidFill>
+                              <a:latin typeface="Cambria Math" panose="02040503050406030204" pitchFamily="18" charset="0"/>
+                            </a:rPr>
+                            <m:t>𝑖</m:t>
+                          </m:r>
+                        </m:sub>
+                      </m:sSub>
+                      <m:sSub>
+                        <m:sSubPr>
+                          <m:ctrlPr>
+                            <a:rPr lang="en-US" b="0" i="1" smtClean="0">
+                              <a:solidFill>
+                                <a:schemeClr val="tx1"/>
+                              </a:solidFill>
+                              <a:latin typeface="Cambria Math" panose="02040503050406030204" pitchFamily="18" charset="0"/>
+                            </a:rPr>
+                          </m:ctrlPr>
+                        </m:sSubPr>
+                        <m:e>
+                          <m:r>
+                            <a:rPr lang="en-US" i="1">
+                              <a:solidFill>
+                                <a:schemeClr val="tx1"/>
+                              </a:solidFill>
+                              <a:latin typeface="Cambria Math" panose="02040503050406030204" pitchFamily="18" charset="0"/>
+                            </a:rPr>
+                            <m:t>𝑅</m:t>
+                          </m:r>
+                        </m:e>
+                        <m:sub>
+                          <m:r>
+                            <a:rPr lang="en-US" b="0" i="1" smtClean="0">
+                              <a:solidFill>
+                                <a:schemeClr val="tx1"/>
+                              </a:solidFill>
+                              <a:latin typeface="Cambria Math" panose="02040503050406030204" pitchFamily="18" charset="0"/>
+                            </a:rPr>
+                            <m:t>𝑖</m:t>
+                          </m:r>
+                        </m:sub>
+                      </m:sSub>
+                      <m:d>
+                        <m:dPr>
+                          <m:ctrlPr>
+                            <a:rPr lang="en-US" b="0" i="1" smtClean="0">
+                              <a:solidFill>
+                                <a:schemeClr val="tx1"/>
+                              </a:solidFill>
+                              <a:latin typeface="Cambria Math" panose="02040503050406030204" pitchFamily="18" charset="0"/>
+                            </a:rPr>
+                          </m:ctrlPr>
+                        </m:dPr>
+                        <m:e>
+                          <m:r>
+                            <a:rPr lang="en-US" i="1">
+                              <a:solidFill>
+                                <a:schemeClr val="tx1"/>
+                              </a:solidFill>
+                              <a:latin typeface="Cambria Math" panose="02040503050406030204" pitchFamily="18" charset="0"/>
+                            </a:rPr>
+                            <m:t>𝑣</m:t>
+                          </m:r>
+                          <m:r>
+                            <a:rPr lang="en-US" b="0" i="1" smtClean="0">
+                              <a:solidFill>
+                                <a:schemeClr val="tx1"/>
+                              </a:solidFill>
+                              <a:latin typeface="Cambria Math" panose="02040503050406030204" pitchFamily="18" charset="0"/>
+                            </a:rPr>
+                            <m:t>−</m:t>
+                          </m:r>
+                          <m:sSubSup>
+                            <m:sSubSupPr>
+                              <m:ctrlPr>
+                                <a:rPr lang="en-US" b="0" i="1" smtClean="0">
+                                  <a:solidFill>
+                                    <a:schemeClr val="tx1"/>
+                                  </a:solidFill>
+                                  <a:latin typeface="Cambria Math" panose="02040503050406030204" pitchFamily="18" charset="0"/>
+                                </a:rPr>
+                              </m:ctrlPr>
+                            </m:sSubSupPr>
+                            <m:e>
+                              <m:r>
+                                <a:rPr lang="en-US" b="0" i="1" smtClean="0">
+                                  <a:solidFill>
+                                    <a:schemeClr val="tx1"/>
+                                  </a:solidFill>
+                                  <a:latin typeface="Cambria Math" panose="02040503050406030204" pitchFamily="18" charset="0"/>
+                                </a:rPr>
+                                <m:t>𝑜</m:t>
+                              </m:r>
+                            </m:e>
+                            <m:sub>
+                              <m:r>
+                                <a:rPr lang="en-US" b="0" i="1" smtClean="0">
+                                  <a:solidFill>
+                                    <a:schemeClr val="tx1"/>
+                                  </a:solidFill>
+                                  <a:latin typeface="Cambria Math" panose="02040503050406030204" pitchFamily="18" charset="0"/>
+                                </a:rPr>
+                                <m:t>𝑖</m:t>
+                              </m:r>
+                            </m:sub>
+                            <m:sup>
+                              <m:r>
+                                <a:rPr lang="en-US" b="0" i="1" smtClean="0">
+                                  <a:solidFill>
+                                    <a:schemeClr val="tx1"/>
+                                  </a:solidFill>
+                                  <a:latin typeface="Cambria Math" panose="02040503050406030204" pitchFamily="18" charset="0"/>
+                                </a:rPr>
+                                <m:t>′</m:t>
+                              </m:r>
+                            </m:sup>
+                          </m:sSubSup>
+                        </m:e>
+                      </m:d>
+                      <m:sSub>
+                        <m:sSubPr>
+                          <m:ctrlPr>
+                            <a:rPr lang="en-US" b="0" i="1" smtClean="0">
+                              <a:solidFill>
+                                <a:schemeClr val="tx1"/>
+                              </a:solidFill>
+                              <a:latin typeface="Cambria Math" panose="02040503050406030204" pitchFamily="18" charset="0"/>
+                            </a:rPr>
+                          </m:ctrlPr>
+                        </m:sSubPr>
+                        <m:e>
+                          <m:r>
+                            <a:rPr lang="en-US" i="1">
+                              <a:solidFill>
+                                <a:schemeClr val="tx1"/>
+                              </a:solidFill>
+                              <a:latin typeface="Cambria Math" panose="02040503050406030204" pitchFamily="18" charset="0"/>
+                            </a:rPr>
+                            <m:t>𝜙</m:t>
+                          </m:r>
+                        </m:e>
+                        <m:sub>
+                          <m:r>
+                            <a:rPr lang="en-US" b="0" i="1" smtClean="0">
+                              <a:solidFill>
+                                <a:schemeClr val="tx1"/>
+                              </a:solidFill>
+                              <a:latin typeface="Cambria Math" panose="02040503050406030204" pitchFamily="18" charset="0"/>
+                            </a:rPr>
+                            <m:t>𝑖</m:t>
+                          </m:r>
+                        </m:sub>
+                      </m:sSub>
+                      <m:func>
+                        <m:funcPr>
+                          <m:ctrlPr>
+                            <a:rPr lang="en-US" i="1">
+                              <a:solidFill>
+                                <a:schemeClr val="tx1"/>
+                              </a:solidFill>
+                              <a:latin typeface="Cambria Math" panose="02040503050406030204" pitchFamily="18" charset="0"/>
+                            </a:rPr>
+                          </m:ctrlPr>
+                        </m:funcPr>
+                        <m:fName>
+                          <m:r>
+                            <m:rPr>
+                              <m:sty m:val="p"/>
+                            </m:rPr>
+                            <a:rPr lang="en-US">
+                              <a:solidFill>
+                                <a:schemeClr val="tx1"/>
+                              </a:solidFill>
+                              <a:latin typeface="Cambria Math" panose="02040503050406030204" pitchFamily="18" charset="0"/>
+                            </a:rPr>
+                            <m:t>exp</m:t>
+                          </m:r>
+                        </m:fName>
+                        <m:e>
+                          <m:d>
+                            <m:dPr>
+                              <m:ctrlPr>
+                                <a:rPr lang="en-US" i="1">
+                                  <a:solidFill>
+                                    <a:schemeClr val="tx1"/>
+                                  </a:solidFill>
+                                  <a:latin typeface="Cambria Math" panose="02040503050406030204" pitchFamily="18" charset="0"/>
+                                </a:rPr>
+                              </m:ctrlPr>
+                            </m:dPr>
+                            <m:e>
+                              <m:r>
+                                <a:rPr lang="en-US" i="1">
+                                  <a:solidFill>
+                                    <a:schemeClr val="tx1"/>
+                                  </a:solidFill>
+                                  <a:latin typeface="Cambria Math" panose="02040503050406030204" pitchFamily="18" charset="0"/>
+                                </a:rPr>
+                                <m:t>−</m:t>
+                              </m:r>
+                              <m:r>
+                                <a:rPr lang="en-US" i="1">
+                                  <a:solidFill>
+                                    <a:schemeClr val="tx1"/>
+                                  </a:solidFill>
+                                  <a:latin typeface="Cambria Math" panose="02040503050406030204" pitchFamily="18" charset="0"/>
+                                </a:rPr>
+                                <m:t>𝛽</m:t>
+                              </m:r>
+                              <m:sSub>
+                                <m:sSubPr>
+                                  <m:ctrlPr>
+                                    <a:rPr lang="en-US" b="0" i="1" smtClean="0">
+                                      <a:solidFill>
+                                        <a:schemeClr val="tx1"/>
+                                      </a:solidFill>
+                                      <a:latin typeface="Cambria Math" panose="02040503050406030204" pitchFamily="18" charset="0"/>
+                                    </a:rPr>
+                                  </m:ctrlPr>
+                                </m:sSubPr>
+                                <m:e>
+                                  <m:r>
+                                    <a:rPr lang="en-US" i="1">
+                                      <a:solidFill>
+                                        <a:schemeClr val="tx1"/>
+                                      </a:solidFill>
+                                      <a:latin typeface="Cambria Math" panose="02040503050406030204" pitchFamily="18" charset="0"/>
+                                    </a:rPr>
+                                    <m:t>𝜙</m:t>
+                                  </m:r>
+                                </m:e>
+                                <m:sub>
+                                  <m:r>
+                                    <a:rPr lang="en-US" b="0" i="1" smtClean="0">
+                                      <a:solidFill>
+                                        <a:schemeClr val="tx1"/>
+                                      </a:solidFill>
+                                      <a:latin typeface="Cambria Math" panose="02040503050406030204" pitchFamily="18" charset="0"/>
+                                    </a:rPr>
+                                    <m:t>𝑖</m:t>
+                                  </m:r>
+                                </m:sub>
+                              </m:sSub>
+                            </m:e>
+                          </m:d>
+                        </m:e>
+                      </m:func>
+                    </m:oMath>
+                  </m:oMathPara>
+                </a14:m>
+                <a:endParaRPr lang="en-US" dirty="0" smtClean="0">
+                  <a:solidFill>
+                    <a:schemeClr val="tx1"/>
+                  </a:solidFill>
+                </a:endParaRPr>
+              </a:p>
+              <a:p>
+                <a:pPr>
+                  <a:buFont typeface="Arial" panose="020B0604020202020204" pitchFamily="34" charset="0"/>
+                  <a:buChar char="•"/>
+                </a:pPr>
+                <a:r>
+                  <a:rPr lang="en-US" dirty="0" smtClean="0">
+                    <a:solidFill>
+                      <a:schemeClr val="tx1"/>
+                    </a:solidFill>
+                  </a:rPr>
+                  <a:t> Where </a:t>
+                </a:r>
+                <a:r>
+                  <a:rPr lang="en-US" dirty="0" err="1" smtClean="0">
+                    <a:solidFill>
+                      <a:schemeClr val="tx1"/>
+                    </a:solidFill>
+                  </a:rPr>
+                  <a:t>o’</a:t>
+                </a:r>
+                <a:r>
+                  <a:rPr lang="en-US" baseline="-25000" dirty="0" err="1" smtClean="0">
+                    <a:solidFill>
+                      <a:schemeClr val="tx1"/>
+                    </a:solidFill>
+                  </a:rPr>
+                  <a:t>i</a:t>
+                </a:r>
+                <a:r>
+                  <a:rPr lang="en-US" dirty="0" smtClean="0">
+                    <a:solidFill>
+                      <a:schemeClr val="tx1"/>
+                    </a:solidFill>
+                  </a:rPr>
+                  <a:t> is </a:t>
+                </a:r>
+                <a:r>
+                  <a:rPr lang="en-US" dirty="0">
+                    <a:solidFill>
+                      <a:schemeClr val="tx1"/>
+                    </a:solidFill>
+                  </a:rPr>
+                  <a:t>the velocity of obstacle </a:t>
+                </a:r>
+                <a:r>
+                  <a:rPr lang="en-US" dirty="0" err="1">
+                    <a:solidFill>
+                      <a:schemeClr val="tx1"/>
+                    </a:solidFill>
+                  </a:rPr>
+                  <a:t>i</a:t>
+                </a:r>
+                <a:endParaRPr lang="en-US" dirty="0">
+                  <a:solidFill>
+                    <a:schemeClr val="tx1"/>
+                  </a:solidFill>
+                </a:endParaRPr>
+              </a:p>
+            </p:txBody>
+          </p:sp>
+        </mc:Choice>
+        <mc:Fallback>
+          <p:sp>
+            <p:nvSpPr>
+              <p:cNvPr id="3" name="Content Placeholder 2"/>
+              <p:cNvSpPr>
+                <a:spLocks noGrp="1" noRot="1" noChangeAspect="1" noMove="1" noResize="1" noEditPoints="1" noAdjustHandles="1" noChangeArrowheads="1" noChangeShapeType="1" noTextEdit="1"/>
+              </p:cNvSpPr>
+              <p:nvPr>
+                <p:ph idx="1"/>
+              </p:nvPr>
+            </p:nvSpPr>
+            <p:spPr>
+              <a:blipFill rotWithShape="0">
+                <a:blip r:embed="rId2"/>
+                <a:stretch>
+                  <a:fillRect l="-1455" t="-1667"/>
+                </a:stretch>
+              </a:blipFill>
+            </p:spPr>
+            <p:txBody>
+              <a:bodyPr/>
+              <a:lstStyle/>
+              <a:p>
+                <a:r>
+                  <a:rPr lang="en-US">
+                    <a:noFill/>
+                  </a:rPr>
+                  <a:t> </a:t>
+                </a:r>
+              </a:p>
+            </p:txBody>
+          </p:sp>
+        </mc:Fallback>
+      </mc:AlternateContent>
       <p:sp>
         <p:nvSpPr>
           <p:cNvPr id="4" name="Slide Number Placeholder 3"/>
@@ -8713,351 +12015,6 @@
     <p:extLst>
       <p:ext uri="{BB962C8B-B14F-4D97-AF65-F5344CB8AC3E}">
         <p14:creationId xmlns:p14="http://schemas.microsoft.com/office/powerpoint/2010/main" val="2447898715"/>
-      </p:ext>
-    </p:extLst>
-  </p:cSld>
-  <p:clrMapOvr>
-    <a:masterClrMapping/>
-  </p:clrMapOvr>
-  <p:timing>
-    <p:tnLst>
-      <p:par>
-        <p:cTn id="1" dur="indefinite" restart="never" nodeType="tmRoot"/>
-      </p:par>
-    </p:tnLst>
-  </p:timing>
-</p:sld>
-</file>
-
-<file path=ppt/slides/slide7.xml><?xml version="1.0" encoding="utf-8"?>
-<p:sld xmlns:a="http://schemas.openxmlformats.org/drawingml/2006/main" xmlns:r="http://schemas.openxmlformats.org/officeDocument/2006/relationships" xmlns:p="http://schemas.openxmlformats.org/presentationml/2006/main">
-  <p:cSld>
-    <p:spTree>
-      <p:nvGrpSpPr>
-        <p:cNvPr id="1" name=""/>
-        <p:cNvGrpSpPr/>
-        <p:nvPr/>
-      </p:nvGrpSpPr>
-      <p:grpSpPr>
-        <a:xfrm>
-          <a:off x="0" y="0"/>
-          <a:ext cx="0" cy="0"/>
-          <a:chOff x="0" y="0"/>
-          <a:chExt cx="0" cy="0"/>
-        </a:xfrm>
-      </p:grpSpPr>
-      <p:sp>
-        <p:nvSpPr>
-          <p:cNvPr id="2" name="Title 1"/>
-          <p:cNvSpPr>
-            <a:spLocks noGrp="1"/>
-          </p:cNvSpPr>
-          <p:nvPr>
-            <p:ph type="title"/>
-          </p:nvPr>
-        </p:nvSpPr>
-        <p:spPr/>
-        <p:txBody>
-          <a:bodyPr/>
-          <a:lstStyle/>
-          <a:p>
-            <a:endParaRPr lang="en-US" dirty="0"/>
-          </a:p>
-        </p:txBody>
-      </p:sp>
-      <p:sp>
-        <p:nvSpPr>
-          <p:cNvPr id="3" name="Content Placeholder 2"/>
-          <p:cNvSpPr>
-            <a:spLocks noGrp="1"/>
-          </p:cNvSpPr>
-          <p:nvPr>
-            <p:ph idx="1"/>
-          </p:nvPr>
-        </p:nvSpPr>
-        <p:spPr/>
-        <p:txBody>
-          <a:bodyPr/>
-          <a:lstStyle/>
-          <a:p>
-            <a:pPr>
-              <a:buFont typeface="Arial" panose="020B0604020202020204" pitchFamily="34" charset="0"/>
-              <a:buChar char="•"/>
-            </a:pPr>
-            <a:r>
-              <a:rPr lang="en-US" dirty="0" smtClean="0">
-                <a:solidFill>
-                  <a:schemeClr val="tx1"/>
-                </a:solidFill>
-              </a:rPr>
-              <a:t> V</a:t>
-            </a:r>
-            <a:endParaRPr lang="en-US" dirty="0">
-              <a:solidFill>
-                <a:schemeClr val="tx1"/>
-              </a:solidFill>
-            </a:endParaRPr>
-          </a:p>
-        </p:txBody>
-      </p:sp>
-      <p:sp>
-        <p:nvSpPr>
-          <p:cNvPr id="4" name="Slide Number Placeholder 3"/>
-          <p:cNvSpPr>
-            <a:spLocks noGrp="1"/>
-          </p:cNvSpPr>
-          <p:nvPr>
-            <p:ph type="sldNum" sz="quarter" idx="12"/>
-          </p:nvPr>
-        </p:nvSpPr>
-        <p:spPr/>
-        <p:txBody>
-          <a:bodyPr/>
-          <a:lstStyle/>
-          <a:p>
-            <a:fld id="{98F35AE6-6F22-4F5F-BFC0-3AFE904FE728}" type="slidenum">
-              <a:rPr lang="en-US" smtClean="0"/>
-              <a:pPr/>
-              <a:t>7</a:t>
-            </a:fld>
-            <a:endParaRPr lang="en-US"/>
-          </a:p>
-        </p:txBody>
-      </p:sp>
-    </p:spTree>
-    <p:extLst>
-      <p:ext uri="{BB962C8B-B14F-4D97-AF65-F5344CB8AC3E}">
-        <p14:creationId xmlns:p14="http://schemas.microsoft.com/office/powerpoint/2010/main" val="1824838078"/>
-      </p:ext>
-    </p:extLst>
-  </p:cSld>
-  <p:clrMapOvr>
-    <a:masterClrMapping/>
-  </p:clrMapOvr>
-  <p:timing>
-    <p:tnLst>
-      <p:par>
-        <p:cTn id="1" dur="indefinite" restart="never" nodeType="tmRoot"/>
-      </p:par>
-    </p:tnLst>
-  </p:timing>
-</p:sld>
-</file>
-
-<file path=ppt/slides/slide8.xml><?xml version="1.0" encoding="utf-8"?>
-<p:sld xmlns:a="http://schemas.openxmlformats.org/drawingml/2006/main" xmlns:r="http://schemas.openxmlformats.org/officeDocument/2006/relationships" xmlns:p="http://schemas.openxmlformats.org/presentationml/2006/main">
-  <p:cSld>
-    <p:spTree>
-      <p:nvGrpSpPr>
-        <p:cNvPr id="1" name=""/>
-        <p:cNvGrpSpPr/>
-        <p:nvPr/>
-      </p:nvGrpSpPr>
-      <p:grpSpPr>
-        <a:xfrm>
-          <a:off x="0" y="0"/>
-          <a:ext cx="0" cy="0"/>
-          <a:chOff x="0" y="0"/>
-          <a:chExt cx="0" cy="0"/>
-        </a:xfrm>
-      </p:grpSpPr>
-      <p:sp>
-        <p:nvSpPr>
-          <p:cNvPr id="2" name="Title 1"/>
-          <p:cNvSpPr>
-            <a:spLocks noGrp="1"/>
-          </p:cNvSpPr>
-          <p:nvPr>
-            <p:ph type="title"/>
-          </p:nvPr>
-        </p:nvSpPr>
-        <p:spPr/>
-        <p:txBody>
-          <a:bodyPr/>
-          <a:lstStyle/>
-          <a:p>
-            <a:endParaRPr lang="en-US" dirty="0"/>
-          </a:p>
-        </p:txBody>
-      </p:sp>
-      <p:sp>
-        <p:nvSpPr>
-          <p:cNvPr id="3" name="Content Placeholder 2"/>
-          <p:cNvSpPr>
-            <a:spLocks noGrp="1"/>
-          </p:cNvSpPr>
-          <p:nvPr>
-            <p:ph idx="1"/>
-          </p:nvPr>
-        </p:nvSpPr>
-        <p:spPr/>
-        <p:txBody>
-          <a:bodyPr/>
-          <a:lstStyle/>
-          <a:p>
-            <a:pPr>
-              <a:buFont typeface="Arial" panose="020B0604020202020204" pitchFamily="34" charset="0"/>
-              <a:buChar char="•"/>
-            </a:pPr>
-            <a:r>
-              <a:rPr lang="en-US" dirty="0" smtClean="0">
-                <a:solidFill>
-                  <a:schemeClr val="tx1"/>
-                </a:solidFill>
-              </a:rPr>
-              <a:t> V</a:t>
-            </a:r>
-            <a:endParaRPr lang="en-US" dirty="0">
-              <a:solidFill>
-                <a:schemeClr val="tx1"/>
-              </a:solidFill>
-            </a:endParaRPr>
-          </a:p>
-        </p:txBody>
-      </p:sp>
-      <p:sp>
-        <p:nvSpPr>
-          <p:cNvPr id="4" name="Slide Number Placeholder 3"/>
-          <p:cNvSpPr>
-            <a:spLocks noGrp="1"/>
-          </p:cNvSpPr>
-          <p:nvPr>
-            <p:ph type="sldNum" sz="quarter" idx="12"/>
-          </p:nvPr>
-        </p:nvSpPr>
-        <p:spPr/>
-        <p:txBody>
-          <a:bodyPr/>
-          <a:lstStyle/>
-          <a:p>
-            <a:fld id="{98F35AE6-6F22-4F5F-BFC0-3AFE904FE728}" type="slidenum">
-              <a:rPr lang="en-US" smtClean="0"/>
-              <a:pPr/>
-              <a:t>8</a:t>
-            </a:fld>
-            <a:endParaRPr lang="en-US"/>
-          </a:p>
-        </p:txBody>
-      </p:sp>
-    </p:spTree>
-    <p:extLst>
-      <p:ext uri="{BB962C8B-B14F-4D97-AF65-F5344CB8AC3E}">
-        <p14:creationId xmlns:p14="http://schemas.microsoft.com/office/powerpoint/2010/main" val="2504170989"/>
-      </p:ext>
-    </p:extLst>
-  </p:cSld>
-  <p:clrMapOvr>
-    <a:masterClrMapping/>
-  </p:clrMapOvr>
-  <p:timing>
-    <p:tnLst>
-      <p:par>
-        <p:cTn id="1" dur="indefinite" restart="never" nodeType="tmRoot"/>
-      </p:par>
-    </p:tnLst>
-  </p:timing>
-</p:sld>
-</file>
-
-<file path=ppt/slides/slide9.xml><?xml version="1.0" encoding="utf-8"?>
-<p:sld xmlns:a="http://schemas.openxmlformats.org/drawingml/2006/main" xmlns:r="http://schemas.openxmlformats.org/officeDocument/2006/relationships" xmlns:p="http://schemas.openxmlformats.org/presentationml/2006/main">
-  <p:cSld>
-    <p:spTree>
-      <p:nvGrpSpPr>
-        <p:cNvPr id="1" name=""/>
-        <p:cNvGrpSpPr/>
-        <p:nvPr/>
-      </p:nvGrpSpPr>
-      <p:grpSpPr>
-        <a:xfrm>
-          <a:off x="0" y="0"/>
-          <a:ext cx="0" cy="0"/>
-          <a:chOff x="0" y="0"/>
-          <a:chExt cx="0" cy="0"/>
-        </a:xfrm>
-      </p:grpSpPr>
-      <p:sp>
-        <p:nvSpPr>
-          <p:cNvPr id="2" name="Title 1"/>
-          <p:cNvSpPr>
-            <a:spLocks noGrp="1"/>
-          </p:cNvSpPr>
-          <p:nvPr>
-            <p:ph type="title"/>
-          </p:nvPr>
-        </p:nvSpPr>
-        <p:spPr/>
-        <p:txBody>
-          <a:bodyPr/>
-          <a:lstStyle/>
-          <a:p>
-            <a:endParaRPr lang="en-US" dirty="0"/>
-          </a:p>
-        </p:txBody>
-      </p:sp>
-      <p:sp>
-        <p:nvSpPr>
-          <p:cNvPr id="3" name="Content Placeholder 2"/>
-          <p:cNvSpPr>
-            <a:spLocks noGrp="1"/>
-          </p:cNvSpPr>
-          <p:nvPr>
-            <p:ph idx="1"/>
-          </p:nvPr>
-        </p:nvSpPr>
-        <p:spPr/>
-        <p:txBody>
-          <a:bodyPr/>
-          <a:lstStyle/>
-          <a:p>
-            <a:pPr>
-              <a:buFont typeface="Arial" panose="020B0604020202020204" pitchFamily="34" charset="0"/>
-              <a:buChar char="•"/>
-            </a:pPr>
-            <a:r>
-              <a:rPr lang="en-US" dirty="0" smtClean="0">
-                <a:solidFill>
-                  <a:schemeClr val="tx1"/>
-                </a:solidFill>
-              </a:rPr>
-              <a:t> V</a:t>
-            </a:r>
-            <a:endParaRPr lang="en-US" dirty="0">
-              <a:solidFill>
-                <a:schemeClr val="tx1"/>
-              </a:solidFill>
-            </a:endParaRPr>
-          </a:p>
-        </p:txBody>
-      </p:sp>
-      <p:sp>
-        <p:nvSpPr>
-          <p:cNvPr id="4" name="Slide Number Placeholder 3"/>
-          <p:cNvSpPr>
-            <a:spLocks noGrp="1"/>
-          </p:cNvSpPr>
-          <p:nvPr>
-            <p:ph type="sldNum" sz="quarter" idx="12"/>
-          </p:nvPr>
-        </p:nvSpPr>
-        <p:spPr/>
-        <p:txBody>
-          <a:bodyPr/>
-          <a:lstStyle/>
-          <a:p>
-            <a:fld id="{98F35AE6-6F22-4F5F-BFC0-3AFE904FE728}" type="slidenum">
-              <a:rPr lang="en-US" smtClean="0"/>
-              <a:pPr/>
-              <a:t>9</a:t>
-            </a:fld>
-            <a:endParaRPr lang="en-US"/>
-          </a:p>
-        </p:txBody>
-      </p:sp>
-    </p:spTree>
-    <p:extLst>
-      <p:ext uri="{BB962C8B-B14F-4D97-AF65-F5344CB8AC3E}">
-        <p14:creationId xmlns:p14="http://schemas.microsoft.com/office/powerpoint/2010/main" val="1929181731"/>
       </p:ext>
     </p:extLst>
   </p:cSld>
